--- a/Team Docs/Planning Presentation.pptx
+++ b/Team Docs/Planning Presentation.pptx
@@ -236,7 +236,7 @@
           <a:p>
             <a:fld id="{705E03B7-B591-4A2A-B695-014C5A39F13E}" type="datetimeFigureOut">
               <a:rPr lang="en-US"/>
-              <a:t>5/5/2017</a:t>
+              <a:t>5/7/2017</a:t>
             </a:fld>
             <a:endParaRPr/>
           </a:p>
@@ -401,7 +401,7 @@
           <a:p>
             <a:fld id="{67DFBD7B-E4FB-4AA8-9540-FD148073ACB3}" type="datetimeFigureOut">
               <a:rPr lang="en-US"/>
-              <a:t>5/5/2017</a:t>
+              <a:t>5/7/2017</a:t>
             </a:fld>
             <a:endParaRPr/>
           </a:p>
@@ -1744,7 +1744,7 @@
           <a:p>
             <a:fld id="{A7209051-6E81-43E8-9099-FF6A0C3DCFE8}" type="datetime1">
               <a:rPr lang="en-US"/>
-              <a:t>5/5/2017</a:t>
+              <a:t>5/7/2017</a:t>
             </a:fld>
             <a:endParaRPr/>
           </a:p>
@@ -1945,7 +1945,7 @@
           <a:p>
             <a:fld id="{EDCEAB04-7709-4C1E-A61A-74684A0170FC}" type="datetime1">
               <a:rPr lang="en-US"/>
-              <a:t>5/5/2017</a:t>
+              <a:t>5/7/2017</a:t>
             </a:fld>
             <a:endParaRPr/>
           </a:p>
@@ -2495,7 +2495,7 @@
           <a:p>
             <a:fld id="{0C79BD0D-E0B1-4CED-AC65-708AC79EB9CD}" type="datetime1">
               <a:rPr lang="en-US"/>
-              <a:t>5/5/2017</a:t>
+              <a:t>5/7/2017</a:t>
             </a:fld>
             <a:endParaRPr/>
           </a:p>
@@ -2696,7 +2696,7 @@
           <a:p>
             <a:fld id="{0CC3EA6D-DF0B-4D4B-B359-5F1D1D0E30A4}" type="datetime1">
               <a:rPr lang="en-US"/>
-              <a:t>5/5/2017</a:t>
+              <a:t>5/7/2017</a:t>
             </a:fld>
             <a:endParaRPr/>
           </a:p>
@@ -3300,7 +3300,7 @@
           <a:p>
             <a:fld id="{977EDB99-15BC-4479-BAC5-1E502E66917A}" type="datetime1">
               <a:rPr lang="en-US"/>
-              <a:t>5/5/2017</a:t>
+              <a:t>5/7/2017</a:t>
             </a:fld>
             <a:endParaRPr/>
           </a:p>
@@ -3612,7 +3612,7 @@
           <a:p>
             <a:fld id="{4067C2A3-CD19-48AB-9F64-ECCF75182EDD}" type="datetime1">
               <a:rPr lang="en-US"/>
-              <a:t>5/5/2017</a:t>
+              <a:t>5/7/2017</a:t>
             </a:fld>
             <a:endParaRPr/>
           </a:p>
@@ -4074,7 +4074,7 @@
           <a:p>
             <a:fld id="{0363E8C1-7C87-4705-AB97-8CD17D208E3F}" type="datetime1">
               <a:rPr lang="en-US"/>
-              <a:t>5/5/2017</a:t>
+              <a:t>5/7/2017</a:t>
             </a:fld>
             <a:endParaRPr/>
           </a:p>
@@ -4207,7 +4207,7 @@
           <a:p>
             <a:fld id="{E20C624E-DF92-4841-B9B9-DD11AA239B85}" type="datetime1">
               <a:rPr lang="en-US"/>
-              <a:t>5/5/2017</a:t>
+              <a:t>5/7/2017</a:t>
             </a:fld>
             <a:endParaRPr/>
           </a:p>
@@ -4500,7 +4500,7 @@
           <a:p>
             <a:fld id="{FBDA3AE1-4360-4D5B-BDBC-656B872DD533}" type="datetime1">
               <a:rPr lang="en-US"/>
-              <a:t>5/5/2017</a:t>
+              <a:t>5/7/2017</a:t>
             </a:fld>
             <a:endParaRPr/>
           </a:p>
@@ -4799,7 +4799,7 @@
           <a:p>
             <a:fld id="{20990708-46A4-4851-883E-8DFB8939107E}" type="datetime1">
               <a:rPr lang="en-US"/>
-              <a:t>5/5/2017</a:t>
+              <a:t>5/7/2017</a:t>
             </a:fld>
             <a:endParaRPr/>
           </a:p>
@@ -5083,7 +5083,7 @@
           <a:p>
             <a:fld id="{AE88EFFC-86AE-4294-A319-CAFC2651994B}" type="datetime1">
               <a:rPr lang="en-US"/>
-              <a:t>5/5/2017</a:t>
+              <a:t>5/7/2017</a:t>
             </a:fld>
             <a:endParaRPr/>
           </a:p>
@@ -5665,7 +5665,7 @@
             <a:fld id="{D29E8617-6EA8-4B97-A5E8-E18E98765EE2}" type="datetime1">
               <a:rPr lang="en-US"/>
               <a:pPr/>
-              <a:t>5/5/2017</a:t>
+              <a:t>5/7/2017</a:t>
             </a:fld>
             <a:endParaRPr dirty="0"/>
           </a:p>
@@ -7196,7 +7196,12 @@
             <p:ph type="title"/>
           </p:nvPr>
         </p:nvSpPr>
-        <p:spPr/>
+        <p:spPr>
+          <a:xfrm>
+            <a:off x="1125860" y="585664"/>
+            <a:ext cx="9751060" cy="755104"/>
+          </a:xfrm>
+        </p:spPr>
         <p:txBody>
           <a:bodyPr/>
           <a:lstStyle/>
@@ -7210,45 +7215,50 @@
       </p:sp>
       <p:pic>
         <p:nvPicPr>
-          <p:cNvPr id="3074" name="Picture 2" descr="https://scontent-sea1-1.xx.fbcdn.net/v/t34.0-12/18360533_10158555026810063_1676579627_n.png?oh=9af253b985c0b76448573afa69de76a0&amp;oe=590FAE53"/>
+          <p:cNvPr id="7" name="Picture 6"/>
           <p:cNvPicPr>
-            <a:picLocks noGrp="1" noChangeAspect="1" noChangeArrowheads="1"/>
+            <a:picLocks noChangeAspect="1"/>
           </p:cNvPicPr>
-          <p:nvPr>
-            <p:ph idx="1"/>
-          </p:nvPr>
+          <p:nvPr/>
         </p:nvPicPr>
         <p:blipFill>
-          <a:blip r:embed="rId3">
-            <a:extLst>
-              <a:ext uri="{28A0092B-C50C-407E-A947-70E740481C1C}">
-                <a14:useLocalDpi xmlns:a14="http://schemas.microsoft.com/office/drawing/2010/main" val="0"/>
-              </a:ext>
-            </a:extLst>
-          </a:blip>
-          <a:srcRect/>
+          <a:blip r:embed="rId3"/>
           <a:stretch>
             <a:fillRect/>
           </a:stretch>
         </p:blipFill>
-        <p:spPr bwMode="auto">
+        <p:spPr>
           <a:xfrm>
-            <a:off x="4293002" y="1600200"/>
-            <a:ext cx="3602820" cy="4572000"/>
+            <a:off x="5662364" y="1306659"/>
+            <a:ext cx="6408712" cy="2698405"/>
           </a:xfrm>
           <a:prstGeom prst="rect">
             <a:avLst/>
           </a:prstGeom>
-          <a:noFill/>
-          <a:extLst>
-            <a:ext uri="{909E8E84-426E-40DD-AFC4-6F175D3DCCD1}">
-              <a14:hiddenFill xmlns:a14="http://schemas.microsoft.com/office/drawing/2010/main">
-                <a:solidFill>
-                  <a:srgbClr val="FFFFFF"/>
-                </a:solidFill>
-              </a14:hiddenFill>
-            </a:ext>
-          </a:extLst>
+        </p:spPr>
+      </p:pic>
+      <p:pic>
+        <p:nvPicPr>
+          <p:cNvPr id="8" name="Picture 7"/>
+          <p:cNvPicPr>
+            <a:picLocks noChangeAspect="1"/>
+          </p:cNvPicPr>
+          <p:nvPr/>
+        </p:nvPicPr>
+        <p:blipFill>
+          <a:blip r:embed="rId4"/>
+          <a:stretch>
+            <a:fillRect/>
+          </a:stretch>
+        </p:blipFill>
+        <p:spPr>
+          <a:xfrm>
+            <a:off x="45740" y="1338676"/>
+            <a:ext cx="5613202" cy="5330684"/>
+          </a:xfrm>
+          <a:prstGeom prst="rect">
+            <a:avLst/>
+          </a:prstGeom>
         </p:spPr>
       </p:pic>
     </p:spTree>
@@ -10177,26 +10187,6 @@
 </file>
 
 <file path=customXml/item1.xml><?xml version="1.0" encoding="utf-8"?>
-<?mso-contentType ?>
-<FormTemplates xmlns="http://schemas.microsoft.com/sharepoint/v3/contenttype/forms">
-  <Display>DocumentLibraryForm</Display>
-  <Edit>DocumentLibraryForm</Edit>
-  <New>DocumentLibraryForm</New>
-</FormTemplates>
-</file>
-
-<file path=customXml/item2.xml><?xml version="1.0" encoding="utf-8"?>
-<p:properties xmlns:p="http://schemas.microsoft.com/office/2006/metadata/properties" xmlns:xsi="http://www.w3.org/2001/XMLSchema-instance" xmlns:pc="http://schemas.microsoft.com/office/infopath/2007/PartnerControls">
-  <documentManagement>
-    <VSO_x0020_item_x0020_id xmlns="40262f94-9f35-4ac3-9a90-690165a166b7" xsi:nil="true"/>
-    <Assetid_x0020_ xmlns="40262f94-9f35-4ac3-9a90-690165a166b7" xsi:nil="true"/>
-    <Item_x0020_Details xmlns="40262f94-9f35-4ac3-9a90-690165a166b7" xsi:nil="true"/>
-    <Template_x0020_details xmlns="40262f94-9f35-4ac3-9a90-690165a166b7" xsi:nil="true"/>
-  </documentManagement>
-</p:properties>
-</file>
-
-<file path=customXml/item3.xml><?xml version="1.0" encoding="utf-8"?>
 <ct:contentTypeSchema xmlns:ct="http://schemas.microsoft.com/office/2006/metadata/contentType" xmlns:ma="http://schemas.microsoft.com/office/2006/metadata/properties/metaAttributes" ct:_="" ma:_="" ma:contentTypeName="Document" ma:contentTypeID="0x010100AA3F7D94069FF64A86F7DFF56D60E3BE" ma:contentTypeVersion="6" ma:contentTypeDescription="Create a new document." ma:contentTypeScope="" ma:versionID="c32302c77d4085ecf495bdddb7f5e889">
   <xsd:schema xmlns:xsd="http://www.w3.org/2001/XMLSchema" xmlns:xs="http://www.w3.org/2001/XMLSchema" xmlns:p="http://schemas.microsoft.com/office/2006/metadata/properties" xmlns:ns2="a4f35948-e619-41b3-aa29-22878b09cfd2" xmlns:ns3="40262f94-9f35-4ac3-9a90-690165a166b7" targetNamespace="http://schemas.microsoft.com/office/2006/metadata/properties" ma:root="true" ma:fieldsID="4ab5ae46be95f9d0be6107e8200be7a2" ns2:_="" ns3:_="">
     <xsd:import namespace="a4f35948-e619-41b3-aa29-22878b09cfd2"/>
@@ -10377,10 +10367,41 @@
 </ct:contentTypeSchema>
 </file>
 
+<file path=customXml/item2.xml><?xml version="1.0" encoding="utf-8"?>
+<p:properties xmlns:p="http://schemas.microsoft.com/office/2006/metadata/properties" xmlns:xsi="http://www.w3.org/2001/XMLSchema-instance" xmlns:pc="http://schemas.microsoft.com/office/infopath/2007/PartnerControls">
+  <documentManagement>
+    <VSO_x0020_item_x0020_id xmlns="40262f94-9f35-4ac3-9a90-690165a166b7" xsi:nil="true"/>
+    <Assetid_x0020_ xmlns="40262f94-9f35-4ac3-9a90-690165a166b7" xsi:nil="true"/>
+    <Item_x0020_Details xmlns="40262f94-9f35-4ac3-9a90-690165a166b7" xsi:nil="true"/>
+    <Template_x0020_details xmlns="40262f94-9f35-4ac3-9a90-690165a166b7" xsi:nil="true"/>
+  </documentManagement>
+</p:properties>
+</file>
+
+<file path=customXml/item3.xml><?xml version="1.0" encoding="utf-8"?>
+<?mso-contentType ?>
+<FormTemplates xmlns="http://schemas.microsoft.com/sharepoint/v3/contenttype/forms">
+  <Display>DocumentLibraryForm</Display>
+  <Edit>DocumentLibraryForm</Edit>
+  <New>DocumentLibraryForm</New>
+</FormTemplates>
+</file>
+
 <file path=customXml/itemProps1.xml><?xml version="1.0" encoding="utf-8"?>
-<ds:datastoreItem xmlns:ds="http://schemas.openxmlformats.org/officeDocument/2006/customXml" ds:itemID="{308942AA-0721-4324-BC2C-A3CB43F24E71}">
+<ds:datastoreItem xmlns:ds="http://schemas.openxmlformats.org/officeDocument/2006/customXml" ds:itemID="{FB14945D-DABB-422F-9B28-D299995C9226}">
   <ds:schemaRefs>
-    <ds:schemaRef ds:uri="http://schemas.microsoft.com/sharepoint/v3/contenttype/forms"/>
+    <ds:schemaRef ds:uri="http://schemas.microsoft.com/office/2006/metadata/contentType"/>
+    <ds:schemaRef ds:uri="http://schemas.microsoft.com/office/2006/metadata/properties/metaAttributes"/>
+    <ds:schemaRef ds:uri="http://www.w3.org/2001/XMLSchema"/>
+    <ds:schemaRef ds:uri="http://schemas.microsoft.com/office/2006/metadata/properties"/>
+    <ds:schemaRef ds:uri="a4f35948-e619-41b3-aa29-22878b09cfd2"/>
+    <ds:schemaRef ds:uri="40262f94-9f35-4ac3-9a90-690165a166b7"/>
+    <ds:schemaRef ds:uri="http://schemas.microsoft.com/office/2006/documentManagement/types"/>
+    <ds:schemaRef ds:uri="http://schemas.microsoft.com/office/infopath/2007/PartnerControls"/>
+    <ds:schemaRef ds:uri="http://schemas.openxmlformats.org/package/2006/metadata/core-properties"/>
+    <ds:schemaRef ds:uri="http://purl.org/dc/elements/1.1/"/>
+    <ds:schemaRef ds:uri="http://purl.org/dc/terms/"/>
+    <ds:schemaRef ds:uri="http://schemas.microsoft.com/internal/obd"/>
   </ds:schemaRefs>
 </ds:datastoreItem>
 </file>
@@ -10403,20 +10424,9 @@
 </file>
 
 <file path=customXml/itemProps3.xml><?xml version="1.0" encoding="utf-8"?>
-<ds:datastoreItem xmlns:ds="http://schemas.openxmlformats.org/officeDocument/2006/customXml" ds:itemID="{FB14945D-DABB-422F-9B28-D299995C9226}">
+<ds:datastoreItem xmlns:ds="http://schemas.openxmlformats.org/officeDocument/2006/customXml" ds:itemID="{308942AA-0721-4324-BC2C-A3CB43F24E71}">
   <ds:schemaRefs>
-    <ds:schemaRef ds:uri="http://schemas.microsoft.com/office/2006/metadata/contentType"/>
-    <ds:schemaRef ds:uri="http://schemas.microsoft.com/office/2006/metadata/properties/metaAttributes"/>
-    <ds:schemaRef ds:uri="http://www.w3.org/2001/XMLSchema"/>
-    <ds:schemaRef ds:uri="http://schemas.microsoft.com/office/2006/metadata/properties"/>
-    <ds:schemaRef ds:uri="a4f35948-e619-41b3-aa29-22878b09cfd2"/>
-    <ds:schemaRef ds:uri="40262f94-9f35-4ac3-9a90-690165a166b7"/>
-    <ds:schemaRef ds:uri="http://schemas.microsoft.com/office/2006/documentManagement/types"/>
-    <ds:schemaRef ds:uri="http://schemas.microsoft.com/office/infopath/2007/PartnerControls"/>
-    <ds:schemaRef ds:uri="http://schemas.openxmlformats.org/package/2006/metadata/core-properties"/>
-    <ds:schemaRef ds:uri="http://purl.org/dc/elements/1.1/"/>
-    <ds:schemaRef ds:uri="http://purl.org/dc/terms/"/>
-    <ds:schemaRef ds:uri="http://schemas.microsoft.com/internal/obd"/>
+    <ds:schemaRef ds:uri="http://schemas.microsoft.com/sharepoint/v3/contenttype/forms"/>
   </ds:schemaRefs>
 </ds:datastoreItem>
 </file>
--- a/Team Docs/Planning Presentation.pptx
+++ b/Team Docs/Planning Presentation.pptx
@@ -5,10 +5,10 @@
     <p:sldMasterId id="2147483648" r:id="rId4"/>
   </p:sldMasterIdLst>
   <p:notesMasterIdLst>
-    <p:notesMasterId r:id="rId13"/>
+    <p:notesMasterId r:id="rId14"/>
   </p:notesMasterIdLst>
   <p:handoutMasterIdLst>
-    <p:handoutMasterId r:id="rId14"/>
+    <p:handoutMasterId r:id="rId15"/>
   </p:handoutMasterIdLst>
   <p:sldIdLst>
     <p:sldId id="259" r:id="rId5"/>
@@ -18,7 +18,8 @@
     <p:sldId id="265" r:id="rId9"/>
     <p:sldId id="266" r:id="rId10"/>
     <p:sldId id="267" r:id="rId11"/>
-    <p:sldId id="262" r:id="rId12"/>
+    <p:sldId id="268" r:id="rId12"/>
+    <p:sldId id="262" r:id="rId13"/>
   </p:sldIdLst>
   <p:sldSz cx="12188825" cy="6858000"/>
   <p:notesSz cx="6858000" cy="9144000"/>
@@ -236,7 +237,7 @@
           <a:p>
             <a:fld id="{705E03B7-B591-4A2A-B695-014C5A39F13E}" type="datetimeFigureOut">
               <a:rPr lang="en-US"/>
-              <a:t>5/7/2017</a:t>
+              <a:t>5/8/2017</a:t>
             </a:fld>
             <a:endParaRPr/>
           </a:p>
@@ -401,7 +402,7 @@
           <a:p>
             <a:fld id="{67DFBD7B-E4FB-4AA8-9540-FD148073ACB3}" type="datetimeFigureOut">
               <a:rPr lang="en-US"/>
-              <a:t>5/7/2017</a:t>
+              <a:t>5/8/2017</a:t>
             </a:fld>
             <a:endParaRPr/>
           </a:p>
@@ -1341,7 +1342,7 @@
           <a:p>
             <a:fld id="{B045B7DE-1198-4F2F-B574-CA8CAE341642}" type="slidenum">
               <a:rPr lang="en-CA" smtClean="0"/>
-              <a:t>8</a:t>
+              <a:t>9</a:t>
             </a:fld>
             <a:endParaRPr lang="en-CA"/>
           </a:p>
@@ -1744,7 +1745,7 @@
           <a:p>
             <a:fld id="{A7209051-6E81-43E8-9099-FF6A0C3DCFE8}" type="datetime1">
               <a:rPr lang="en-US"/>
-              <a:t>5/7/2017</a:t>
+              <a:t>5/8/2017</a:t>
             </a:fld>
             <a:endParaRPr/>
           </a:p>
@@ -1945,7 +1946,7 @@
           <a:p>
             <a:fld id="{EDCEAB04-7709-4C1E-A61A-74684A0170FC}" type="datetime1">
               <a:rPr lang="en-US"/>
-              <a:t>5/7/2017</a:t>
+              <a:t>5/8/2017</a:t>
             </a:fld>
             <a:endParaRPr/>
           </a:p>
@@ -2495,7 +2496,7 @@
           <a:p>
             <a:fld id="{0C79BD0D-E0B1-4CED-AC65-708AC79EB9CD}" type="datetime1">
               <a:rPr lang="en-US"/>
-              <a:t>5/7/2017</a:t>
+              <a:t>5/8/2017</a:t>
             </a:fld>
             <a:endParaRPr/>
           </a:p>
@@ -2696,7 +2697,7 @@
           <a:p>
             <a:fld id="{0CC3EA6D-DF0B-4D4B-B359-5F1D1D0E30A4}" type="datetime1">
               <a:rPr lang="en-US"/>
-              <a:t>5/7/2017</a:t>
+              <a:t>5/8/2017</a:t>
             </a:fld>
             <a:endParaRPr/>
           </a:p>
@@ -3300,7 +3301,7 @@
           <a:p>
             <a:fld id="{977EDB99-15BC-4479-BAC5-1E502E66917A}" type="datetime1">
               <a:rPr lang="en-US"/>
-              <a:t>5/7/2017</a:t>
+              <a:t>5/8/2017</a:t>
             </a:fld>
             <a:endParaRPr/>
           </a:p>
@@ -3612,7 +3613,7 @@
           <a:p>
             <a:fld id="{4067C2A3-CD19-48AB-9F64-ECCF75182EDD}" type="datetime1">
               <a:rPr lang="en-US"/>
-              <a:t>5/7/2017</a:t>
+              <a:t>5/8/2017</a:t>
             </a:fld>
             <a:endParaRPr/>
           </a:p>
@@ -4074,7 +4075,7 @@
           <a:p>
             <a:fld id="{0363E8C1-7C87-4705-AB97-8CD17D208E3F}" type="datetime1">
               <a:rPr lang="en-US"/>
-              <a:t>5/7/2017</a:t>
+              <a:t>5/8/2017</a:t>
             </a:fld>
             <a:endParaRPr/>
           </a:p>
@@ -4207,7 +4208,7 @@
           <a:p>
             <a:fld id="{E20C624E-DF92-4841-B9B9-DD11AA239B85}" type="datetime1">
               <a:rPr lang="en-US"/>
-              <a:t>5/7/2017</a:t>
+              <a:t>5/8/2017</a:t>
             </a:fld>
             <a:endParaRPr/>
           </a:p>
@@ -4500,7 +4501,7 @@
           <a:p>
             <a:fld id="{FBDA3AE1-4360-4D5B-BDBC-656B872DD533}" type="datetime1">
               <a:rPr lang="en-US"/>
-              <a:t>5/7/2017</a:t>
+              <a:t>5/8/2017</a:t>
             </a:fld>
             <a:endParaRPr/>
           </a:p>
@@ -4799,7 +4800,7 @@
           <a:p>
             <a:fld id="{20990708-46A4-4851-883E-8DFB8939107E}" type="datetime1">
               <a:rPr lang="en-US"/>
-              <a:t>5/7/2017</a:t>
+              <a:t>5/8/2017</a:t>
             </a:fld>
             <a:endParaRPr/>
           </a:p>
@@ -5083,7 +5084,7 @@
           <a:p>
             <a:fld id="{AE88EFFC-86AE-4294-A319-CAFC2651994B}" type="datetime1">
               <a:rPr lang="en-US"/>
-              <a:t>5/7/2017</a:t>
+              <a:t>5/8/2017</a:t>
             </a:fld>
             <a:endParaRPr/>
           </a:p>
@@ -5665,7 +5666,7 @@
             <a:fld id="{D29E8617-6EA8-4B97-A5E8-E18E98765EE2}" type="datetime1">
               <a:rPr lang="en-US"/>
               <a:pPr/>
-              <a:t>5/7/2017</a:t>
+              <a:t>5/8/2017</a:t>
             </a:fld>
             <a:endParaRPr dirty="0"/>
           </a:p>
@@ -7628,6 +7629,100 @@
 </file>
 
 <file path=ppt/slides/slide8.xml><?xml version="1.0" encoding="utf-8"?>
+<p:sld xmlns:a="http://schemas.openxmlformats.org/drawingml/2006/main" xmlns:r="http://schemas.openxmlformats.org/officeDocument/2006/relationships" xmlns:p="http://schemas.openxmlformats.org/presentationml/2006/main">
+  <p:cSld>
+    <p:spTree>
+      <p:nvGrpSpPr>
+        <p:cNvPr id="1" name=""/>
+        <p:cNvGrpSpPr/>
+        <p:nvPr/>
+      </p:nvGrpSpPr>
+      <p:grpSpPr>
+        <a:xfrm>
+          <a:off x="0" y="0"/>
+          <a:ext cx="0" cy="0"/>
+          <a:chOff x="0" y="0"/>
+          <a:chExt cx="0" cy="0"/>
+        </a:xfrm>
+      </p:grpSpPr>
+      <p:sp>
+        <p:nvSpPr>
+          <p:cNvPr id="2" name="Title 1"/>
+          <p:cNvSpPr>
+            <a:spLocks noGrp="1"/>
+          </p:cNvSpPr>
+          <p:nvPr>
+            <p:ph type="title"/>
+          </p:nvPr>
+        </p:nvSpPr>
+        <p:spPr/>
+        <p:txBody>
+          <a:bodyPr/>
+          <a:lstStyle/>
+          <a:p>
+            <a:r>
+              <a:rPr lang="en-CA" dirty="0"/>
+              <a:t>Our </a:t>
+            </a:r>
+            <a:r>
+              <a:rPr lang="en-CA" dirty="0" err="1"/>
+              <a:t>Scrumboard</a:t>
+            </a:r>
+            <a:endParaRPr lang="en-CA" dirty="0"/>
+          </a:p>
+        </p:txBody>
+      </p:sp>
+      <p:sp>
+        <p:nvSpPr>
+          <p:cNvPr id="3" name="Content Placeholder 2"/>
+          <p:cNvSpPr>
+            <a:spLocks noGrp="1"/>
+          </p:cNvSpPr>
+          <p:nvPr>
+            <p:ph idx="1"/>
+          </p:nvPr>
+        </p:nvSpPr>
+        <p:spPr/>
+        <p:txBody>
+          <a:bodyPr/>
+          <a:lstStyle/>
+          <a:p>
+            <a:r>
+              <a:rPr lang="en-CA" dirty="0">
+                <a:hlinkClick r:id="rId2"/>
+              </a:rPr>
+              <a:t>Click here!</a:t>
+            </a:r>
+            <a:endParaRPr lang="en-CA" dirty="0"/>
+          </a:p>
+        </p:txBody>
+      </p:sp>
+    </p:spTree>
+    <p:extLst>
+      <p:ext uri="{BB962C8B-B14F-4D97-AF65-F5344CB8AC3E}">
+        <p14:creationId xmlns:p14="http://schemas.microsoft.com/office/powerpoint/2010/main" val="1903923789"/>
+      </p:ext>
+    </p:extLst>
+  </p:cSld>
+  <p:clrMapOvr>
+    <a:masterClrMapping/>
+  </p:clrMapOvr>
+  <mc:AlternateContent xmlns:mc="http://schemas.openxmlformats.org/markup-compatibility/2006" xmlns:p14="http://schemas.microsoft.com/office/powerpoint/2010/main">
+    <mc:Choice Requires="p14">
+      <p:transition spd="med" p14:dur="700">
+        <p:fade/>
+      </p:transition>
+    </mc:Choice>
+    <mc:Fallback xmlns="">
+      <p:transition spd="med">
+        <p:fade/>
+      </p:transition>
+    </mc:Fallback>
+  </mc:AlternateContent>
+</p:sld>
+</file>
+
+<file path=ppt/slides/slide9.xml><?xml version="1.0" encoding="utf-8"?>
 <p:sld xmlns:a="http://schemas.openxmlformats.org/drawingml/2006/main" xmlns:r="http://schemas.openxmlformats.org/officeDocument/2006/relationships" xmlns:p="http://schemas.openxmlformats.org/presentationml/2006/main">
   <p:cSld>
     <p:spTree>
@@ -10368,6 +10463,15 @@
 </file>
 
 <file path=customXml/item2.xml><?xml version="1.0" encoding="utf-8"?>
+<?mso-contentType ?>
+<FormTemplates xmlns="http://schemas.microsoft.com/sharepoint/v3/contenttype/forms">
+  <Display>DocumentLibraryForm</Display>
+  <Edit>DocumentLibraryForm</Edit>
+  <New>DocumentLibraryForm</New>
+</FormTemplates>
+</file>
+
+<file path=customXml/item3.xml><?xml version="1.0" encoding="utf-8"?>
 <p:properties xmlns:p="http://schemas.microsoft.com/office/2006/metadata/properties" xmlns:xsi="http://www.w3.org/2001/XMLSchema-instance" xmlns:pc="http://schemas.microsoft.com/office/infopath/2007/PartnerControls">
   <documentManagement>
     <VSO_x0020_item_x0020_id xmlns="40262f94-9f35-4ac3-9a90-690165a166b7" xsi:nil="true"/>
@@ -10376,15 +10480,6 @@
     <Template_x0020_details xmlns="40262f94-9f35-4ac3-9a90-690165a166b7" xsi:nil="true"/>
   </documentManagement>
 </p:properties>
-</file>
-
-<file path=customXml/item3.xml><?xml version="1.0" encoding="utf-8"?>
-<?mso-contentType ?>
-<FormTemplates xmlns="http://schemas.microsoft.com/sharepoint/v3/contenttype/forms">
-  <Display>DocumentLibraryForm</Display>
-  <Edit>DocumentLibraryForm</Edit>
-  <New>DocumentLibraryForm</New>
-</FormTemplates>
 </file>
 
 <file path=customXml/itemProps1.xml><?xml version="1.0" encoding="utf-8"?>
@@ -10407,6 +10502,14 @@
 </file>
 
 <file path=customXml/itemProps2.xml><?xml version="1.0" encoding="utf-8"?>
+<ds:datastoreItem xmlns:ds="http://schemas.openxmlformats.org/officeDocument/2006/customXml" ds:itemID="{308942AA-0721-4324-BC2C-A3CB43F24E71}">
+  <ds:schemaRefs>
+    <ds:schemaRef ds:uri="http://schemas.microsoft.com/sharepoint/v3/contenttype/forms"/>
+  </ds:schemaRefs>
+</ds:datastoreItem>
+</file>
+
+<file path=customXml/itemProps3.xml><?xml version="1.0" encoding="utf-8"?>
 <ds:datastoreItem xmlns:ds="http://schemas.openxmlformats.org/officeDocument/2006/customXml" ds:itemID="{5E700CCB-20BA-4760-AB9F-AC3B63ED32E0}">
   <ds:schemaRefs>
     <ds:schemaRef ds:uri="http://schemas.microsoft.com/office/infopath/2007/PartnerControls"/>
@@ -10421,12 +10524,4 @@
     <ds:schemaRef ds:uri="http://www.w3.org/XML/1998/namespace"/>
   </ds:schemaRefs>
 </ds:datastoreItem>
-</file>
-
-<file path=customXml/itemProps3.xml><?xml version="1.0" encoding="utf-8"?>
-<ds:datastoreItem xmlns:ds="http://schemas.openxmlformats.org/officeDocument/2006/customXml" ds:itemID="{308942AA-0721-4324-BC2C-A3CB43F24E71}">
-  <ds:schemaRefs>
-    <ds:schemaRef ds:uri="http://schemas.microsoft.com/sharepoint/v3/contenttype/forms"/>
-  </ds:schemaRefs>
-</ds:datastoreItem>
 </file>
--- a/Team Docs/Planning Presentation.pptx
+++ b/Team Docs/Planning Presentation.pptx
@@ -5,10 +5,10 @@
     <p:sldMasterId id="2147483648" r:id="rId4"/>
   </p:sldMasterIdLst>
   <p:notesMasterIdLst>
-    <p:notesMasterId r:id="rId14"/>
+    <p:notesMasterId r:id="rId16"/>
   </p:notesMasterIdLst>
   <p:handoutMasterIdLst>
-    <p:handoutMasterId r:id="rId15"/>
+    <p:handoutMasterId r:id="rId17"/>
   </p:handoutMasterIdLst>
   <p:sldIdLst>
     <p:sldId id="259" r:id="rId5"/>
@@ -19,7 +19,9 @@
     <p:sldId id="266" r:id="rId10"/>
     <p:sldId id="267" r:id="rId11"/>
     <p:sldId id="268" r:id="rId12"/>
-    <p:sldId id="262" r:id="rId13"/>
+    <p:sldId id="270" r:id="rId13"/>
+    <p:sldId id="269" r:id="rId14"/>
+    <p:sldId id="262" r:id="rId15"/>
   </p:sldIdLst>
   <p:sldSz cx="12188825" cy="6858000"/>
   <p:notesSz cx="6858000" cy="9144000"/>
@@ -1342,7 +1344,94 @@
           <a:p>
             <a:fld id="{B045B7DE-1198-4F2F-B574-CA8CAE341642}" type="slidenum">
               <a:rPr lang="en-CA" smtClean="0"/>
-              <a:t>9</a:t>
+              <a:t>10</a:t>
+            </a:fld>
+            <a:endParaRPr lang="en-CA"/>
+          </a:p>
+        </p:txBody>
+      </p:sp>
+    </p:spTree>
+    <p:extLst>
+      <p:ext uri="{BB962C8B-B14F-4D97-AF65-F5344CB8AC3E}">
+        <p14:creationId xmlns:p14="http://schemas.microsoft.com/office/powerpoint/2010/main" val="567140214"/>
+      </p:ext>
+    </p:extLst>
+  </p:cSld>
+  <p:clrMapOvr>
+    <a:masterClrMapping/>
+  </p:clrMapOvr>
+</p:notes>
+</file>
+
+<file path=ppt/notesSlides/notesSlide9.xml><?xml version="1.0" encoding="utf-8"?>
+<p:notes xmlns:a="http://schemas.openxmlformats.org/drawingml/2006/main" xmlns:r="http://schemas.openxmlformats.org/officeDocument/2006/relationships" xmlns:p="http://schemas.openxmlformats.org/presentationml/2006/main">
+  <p:cSld>
+    <p:spTree>
+      <p:nvGrpSpPr>
+        <p:cNvPr id="1" name=""/>
+        <p:cNvGrpSpPr/>
+        <p:nvPr/>
+      </p:nvGrpSpPr>
+      <p:grpSpPr>
+        <a:xfrm>
+          <a:off x="0" y="0"/>
+          <a:ext cx="0" cy="0"/>
+          <a:chOff x="0" y="0"/>
+          <a:chExt cx="0" cy="0"/>
+        </a:xfrm>
+      </p:grpSpPr>
+      <p:sp>
+        <p:nvSpPr>
+          <p:cNvPr id="2" name="Slide Image Placeholder 1"/>
+          <p:cNvSpPr>
+            <a:spLocks noGrp="1" noRot="1" noChangeAspect="1"/>
+          </p:cNvSpPr>
+          <p:nvPr>
+            <p:ph type="sldImg"/>
+          </p:nvPr>
+        </p:nvSpPr>
+        <p:spPr/>
+      </p:sp>
+      <p:sp>
+        <p:nvSpPr>
+          <p:cNvPr id="3" name="Notes Placeholder 2"/>
+          <p:cNvSpPr>
+            <a:spLocks noGrp="1"/>
+          </p:cNvSpPr>
+          <p:nvPr>
+            <p:ph type="body" idx="1"/>
+          </p:nvPr>
+        </p:nvSpPr>
+        <p:spPr/>
+        <p:txBody>
+          <a:bodyPr/>
+          <a:lstStyle/>
+          <a:p>
+            <a:r>
+              <a:rPr lang="en-CA" dirty="0"/>
+              <a:t>Toni</a:t>
+            </a:r>
+          </a:p>
+        </p:txBody>
+      </p:sp>
+      <p:sp>
+        <p:nvSpPr>
+          <p:cNvPr id="4" name="Slide Number Placeholder 3"/>
+          <p:cNvSpPr>
+            <a:spLocks noGrp="1"/>
+          </p:cNvSpPr>
+          <p:nvPr>
+            <p:ph type="sldNum" sz="quarter" idx="10"/>
+          </p:nvPr>
+        </p:nvSpPr>
+        <p:spPr/>
+        <p:txBody>
+          <a:bodyPr/>
+          <a:lstStyle/>
+          <a:p>
+            <a:fld id="{B045B7DE-1198-4F2F-B574-CA8CAE341642}" type="slidenum">
+              <a:rPr lang="en-CA" smtClean="0"/>
+              <a:t>11</a:t>
             </a:fld>
             <a:endParaRPr lang="en-CA"/>
           </a:p>
@@ -6436,7 +6525,7 @@
 </p:sld>
 </file>
 
-<file path=ppt/slides/slide2.xml><?xml version="1.0" encoding="utf-8"?>
+<file path=ppt/slides/slide10.xml><?xml version="1.0" encoding="utf-8"?>
 <p:sld xmlns:a="http://schemas.openxmlformats.org/drawingml/2006/main" xmlns:r="http://schemas.openxmlformats.org/officeDocument/2006/relationships" xmlns:p="http://schemas.openxmlformats.org/presentationml/2006/main">
   <p:cSld>
     <p:spTree>
@@ -6469,8 +6558,8 @@
           <a:lstStyle/>
           <a:p>
             <a:r>
-              <a:rPr lang="en-CA" dirty="0"/>
-              <a:t>Agenda</a:t>
+              <a:rPr lang="en-CA"/>
+              <a:t>Q&amp;A</a:t>
             </a:r>
             <a:endParaRPr lang="en-US" dirty="0"/>
           </a:p>
@@ -6478,236 +6567,59 @@
       </p:sp>
       <p:sp>
         <p:nvSpPr>
-          <p:cNvPr id="8" name="Content Placeholder 7"/>
-          <p:cNvSpPr>
-            <a:spLocks noGrp="1"/>
-          </p:cNvSpPr>
-          <p:nvPr>
-            <p:ph idx="1"/>
-          </p:nvPr>
-        </p:nvSpPr>
-        <p:spPr/>
-        <p:txBody>
-          <a:bodyPr/>
+          <p:cNvPr id="3" name="Speech Bubble: Oval 2"/>
+          <p:cNvSpPr/>
+          <p:nvPr/>
+        </p:nvSpPr>
+        <p:spPr>
+          <a:xfrm>
+            <a:off x="3821348" y="1293249"/>
+            <a:ext cx="4001256" cy="1656184"/>
+          </a:xfrm>
+          <a:prstGeom prst="wedgeEllipseCallout">
+            <a:avLst/>
+          </a:prstGeom>
+        </p:spPr>
+        <p:style>
+          <a:lnRef idx="1">
+            <a:schemeClr val="accent2"/>
+          </a:lnRef>
+          <a:fillRef idx="3">
+            <a:schemeClr val="accent2"/>
+          </a:fillRef>
+          <a:effectRef idx="2">
+            <a:schemeClr val="accent2"/>
+          </a:effectRef>
+          <a:fontRef idx="minor">
+            <a:schemeClr val="lt1"/>
+          </a:fontRef>
+        </p:style>
+        <p:txBody>
+          <a:bodyPr rtlCol="0" anchor="ctr"/>
           <a:lstStyle/>
           <a:p>
-            <a:r>
-              <a:rPr lang="en-CA" dirty="0"/>
-              <a:t>Process</a:t>
-            </a:r>
-          </a:p>
-          <a:p>
-            <a:r>
-              <a:rPr lang="en-CA" dirty="0"/>
-              <a:t>Task Identification</a:t>
-            </a:r>
-          </a:p>
-          <a:p>
-            <a:r>
-              <a:rPr lang="en-CA" dirty="0"/>
-              <a:t>Task Assignment</a:t>
-            </a:r>
-          </a:p>
-          <a:p>
-            <a:r>
-              <a:rPr lang="en-CA" dirty="0"/>
-              <a:t>Individual Tasks</a:t>
-            </a:r>
-          </a:p>
-        </p:txBody>
-      </p:sp>
-    </p:spTree>
-    <p:extLst>
-      <p:ext uri="{BB962C8B-B14F-4D97-AF65-F5344CB8AC3E}">
-        <p14:creationId xmlns:p14="http://schemas.microsoft.com/office/powerpoint/2010/main" val="2833839151"/>
-      </p:ext>
-    </p:extLst>
-  </p:cSld>
-  <p:clrMapOvr>
-    <a:masterClrMapping/>
-  </p:clrMapOvr>
-  <mc:AlternateContent xmlns:mc="http://schemas.openxmlformats.org/markup-compatibility/2006" xmlns:p14="http://schemas.microsoft.com/office/powerpoint/2010/main">
-    <mc:Choice Requires="p14">
-      <p:transition spd="med" p14:dur="700">
-        <p:fade/>
-      </p:transition>
-    </mc:Choice>
-    <mc:Fallback xmlns="">
-      <p:transition spd="med">
-        <p:fade/>
-      </p:transition>
-    </mc:Fallback>
-  </mc:AlternateContent>
-</p:sld>
-</file>
-
-<file path=ppt/slides/slide3.xml><?xml version="1.0" encoding="utf-8"?>
-<p:sld xmlns:a="http://schemas.openxmlformats.org/drawingml/2006/main" xmlns:r="http://schemas.openxmlformats.org/officeDocument/2006/relationships" xmlns:p="http://schemas.openxmlformats.org/presentationml/2006/main">
-  <p:cSld>
-    <p:spTree>
-      <p:nvGrpSpPr>
-        <p:cNvPr id="1" name=""/>
-        <p:cNvGrpSpPr/>
-        <p:nvPr/>
-      </p:nvGrpSpPr>
-      <p:grpSpPr>
-        <a:xfrm>
-          <a:off x="0" y="0"/>
-          <a:ext cx="0" cy="0"/>
-          <a:chOff x="0" y="0"/>
-          <a:chExt cx="0" cy="0"/>
-        </a:xfrm>
-      </p:grpSpPr>
-      <p:sp>
-        <p:nvSpPr>
-          <p:cNvPr id="2" name="Title 1"/>
-          <p:cNvSpPr>
-            <a:spLocks noGrp="1"/>
-          </p:cNvSpPr>
-          <p:nvPr>
-            <p:ph type="title"/>
-          </p:nvPr>
-        </p:nvSpPr>
-        <p:spPr/>
-        <p:txBody>
-          <a:bodyPr/>
-          <a:lstStyle/>
-          <a:p>
-            <a:r>
-              <a:rPr lang="en-CA" dirty="0"/>
-              <a:t>Our Process</a:t>
-            </a:r>
-          </a:p>
-        </p:txBody>
-      </p:sp>
-      <p:sp>
-        <p:nvSpPr>
-          <p:cNvPr id="3" name="Content Placeholder 2"/>
-          <p:cNvSpPr>
-            <a:spLocks noGrp="1"/>
-          </p:cNvSpPr>
-          <p:nvPr>
-            <p:ph idx="1"/>
-          </p:nvPr>
-        </p:nvSpPr>
-        <p:spPr/>
-        <p:txBody>
-          <a:bodyPr/>
-          <a:lstStyle/>
-          <a:p>
-            <a:r>
-              <a:rPr lang="en-CA" dirty="0"/>
-              <a:t>Break down project by page</a:t>
-            </a:r>
-          </a:p>
-          <a:p>
-            <a:pPr lvl="1"/>
-            <a:r>
-              <a:rPr lang="en-CA" dirty="0"/>
-              <a:t>UI elements</a:t>
-            </a:r>
-          </a:p>
-          <a:p>
-            <a:pPr lvl="1"/>
-            <a:r>
-              <a:rPr lang="en-CA" dirty="0"/>
-              <a:t>Functions</a:t>
-            </a:r>
-          </a:p>
-          <a:p>
-            <a:r>
-              <a:rPr lang="en-CA" dirty="0"/>
-              <a:t>Indicate which elements have working prototypes</a:t>
-            </a:r>
-          </a:p>
-          <a:p>
-            <a:pPr lvl="1"/>
-            <a:r>
-              <a:rPr lang="en-CA" dirty="0"/>
-              <a:t>Assign tasks based on prototypes and experience</a:t>
-            </a:r>
-          </a:p>
-          <a:p>
-            <a:r>
-              <a:rPr lang="en-CA" dirty="0"/>
-              <a:t>Break each task into 1-2 hour sub tasks</a:t>
-            </a:r>
-          </a:p>
-        </p:txBody>
-      </p:sp>
-    </p:spTree>
-    <p:extLst>
-      <p:ext uri="{BB962C8B-B14F-4D97-AF65-F5344CB8AC3E}">
-        <p14:creationId xmlns:p14="http://schemas.microsoft.com/office/powerpoint/2010/main" val="1489112537"/>
-      </p:ext>
-    </p:extLst>
-  </p:cSld>
-  <p:clrMapOvr>
-    <a:masterClrMapping/>
-  </p:clrMapOvr>
-  <mc:AlternateContent xmlns:mc="http://schemas.openxmlformats.org/markup-compatibility/2006" xmlns:p14="http://schemas.microsoft.com/office/powerpoint/2010/main">
-    <mc:Choice Requires="p14">
-      <p:transition spd="med" p14:dur="700">
-        <p:fade/>
-      </p:transition>
-    </mc:Choice>
-    <mc:Fallback xmlns="">
-      <p:transition spd="med">
-        <p:fade/>
-      </p:transition>
-    </mc:Fallback>
-  </mc:AlternateContent>
-</p:sld>
-</file>
-
-<file path=ppt/slides/slide4.xml><?xml version="1.0" encoding="utf-8"?>
-<p:sld xmlns:a="http://schemas.openxmlformats.org/drawingml/2006/main" xmlns:r="http://schemas.openxmlformats.org/officeDocument/2006/relationships" xmlns:p="http://schemas.openxmlformats.org/presentationml/2006/main">
-  <p:cSld>
-    <p:spTree>
-      <p:nvGrpSpPr>
-        <p:cNvPr id="1" name=""/>
-        <p:cNvGrpSpPr/>
-        <p:nvPr/>
-      </p:nvGrpSpPr>
-      <p:grpSpPr>
-        <a:xfrm>
-          <a:off x="0" y="0"/>
-          <a:ext cx="0" cy="0"/>
-          <a:chOff x="0" y="0"/>
-          <a:chExt cx="0" cy="0"/>
-        </a:xfrm>
-      </p:grpSpPr>
-      <p:sp>
-        <p:nvSpPr>
-          <p:cNvPr id="2" name="Title 1"/>
-          <p:cNvSpPr>
-            <a:spLocks noGrp="1"/>
-          </p:cNvSpPr>
-          <p:nvPr>
-            <p:ph type="title"/>
-          </p:nvPr>
-        </p:nvSpPr>
-        <p:spPr/>
-        <p:txBody>
-          <a:bodyPr/>
-          <a:lstStyle/>
-          <a:p>
-            <a:r>
-              <a:rPr lang="en-CA" dirty="0"/>
-              <a:t>Task Identification</a:t>
+            <a:pPr algn="ctr"/>
+            <a:r>
+              <a:rPr lang="en-CA" sz="3600" b="1" dirty="0">
+                <a:solidFill>
+                  <a:schemeClr val="accent1">
+                    <a:lumMod val="75000"/>
+                  </a:schemeClr>
+                </a:solidFill>
+                <a:latin typeface="Cooper Black" panose="0208090404030B020404" pitchFamily="18" charset="0"/>
+              </a:rPr>
+              <a:t>Questions?</a:t>
             </a:r>
           </a:p>
         </p:txBody>
       </p:sp>
       <p:pic>
         <p:nvPicPr>
-          <p:cNvPr id="1026" name="Picture 2" descr="https://scontent-sea1-1.xx.fbcdn.net/v/t34.0-12/18337009_10102201823664731_1735306173_n.jpg?oh=db588fd64f0fb493c3fe0c569966585e&amp;oe=590F29D1"/>
+          <p:cNvPr id="15" name="Picture 14"/>
           <p:cNvPicPr>
-            <a:picLocks noGrp="1" noChangeAspect="1" noChangeArrowheads="1"/>
+            <a:picLocks noChangeAspect="1"/>
           </p:cNvPicPr>
-          <p:nvPr>
-            <p:ph idx="1"/>
-          </p:nvPr>
+          <p:nvPr/>
         </p:nvPicPr>
         <p:blipFill>
           <a:blip r:embed="rId3">
@@ -6717,280 +6629,24 @@
               </a:ext>
             </a:extLst>
           </a:blip>
-          <a:srcRect/>
           <a:stretch>
             <a:fillRect/>
           </a:stretch>
         </p:blipFill>
-        <p:spPr bwMode="auto">
+        <p:spPr>
           <a:xfrm>
-            <a:off x="2284412" y="1743075"/>
-            <a:ext cx="7620000" cy="4286250"/>
+            <a:off x="4678976" y="2996952"/>
+            <a:ext cx="2286000" cy="3048000"/>
           </a:xfrm>
           <a:prstGeom prst="rect">
             <a:avLst/>
           </a:prstGeom>
-          <a:noFill/>
-          <a:extLst>
-            <a:ext uri="{909E8E84-426E-40DD-AFC4-6F175D3DCCD1}">
-              <a14:hiddenFill xmlns:a14="http://schemas.microsoft.com/office/drawing/2010/main">
-                <a:solidFill>
-                  <a:srgbClr val="FFFFFF"/>
-                </a:solidFill>
-              </a14:hiddenFill>
-            </a:ext>
-          </a:extLst>
         </p:spPr>
       </p:pic>
     </p:spTree>
     <p:extLst>
       <p:ext uri="{BB962C8B-B14F-4D97-AF65-F5344CB8AC3E}">
-        <p14:creationId xmlns:p14="http://schemas.microsoft.com/office/powerpoint/2010/main" val="737306630"/>
-      </p:ext>
-    </p:extLst>
-  </p:cSld>
-  <p:clrMapOvr>
-    <a:masterClrMapping/>
-  </p:clrMapOvr>
-  <mc:AlternateContent xmlns:mc="http://schemas.openxmlformats.org/markup-compatibility/2006" xmlns:p14="http://schemas.microsoft.com/office/powerpoint/2010/main">
-    <mc:Choice Requires="p14">
-      <p:transition spd="med" p14:dur="700">
-        <p:fade/>
-      </p:transition>
-    </mc:Choice>
-    <mc:Fallback xmlns="">
-      <p:transition spd="med">
-        <p:fade/>
-      </p:transition>
-    </mc:Fallback>
-  </mc:AlternateContent>
-</p:sld>
-</file>
-
-<file path=ppt/slides/slide5.xml><?xml version="1.0" encoding="utf-8"?>
-<p:sld xmlns:a="http://schemas.openxmlformats.org/drawingml/2006/main" xmlns:r="http://schemas.openxmlformats.org/officeDocument/2006/relationships" xmlns:p="http://schemas.openxmlformats.org/presentationml/2006/main">
-  <p:cSld>
-    <p:spTree>
-      <p:nvGrpSpPr>
-        <p:cNvPr id="1" name=""/>
-        <p:cNvGrpSpPr/>
-        <p:nvPr/>
-      </p:nvGrpSpPr>
-      <p:grpSpPr>
-        <a:xfrm>
-          <a:off x="0" y="0"/>
-          <a:ext cx="0" cy="0"/>
-          <a:chOff x="0" y="0"/>
-          <a:chExt cx="0" cy="0"/>
-        </a:xfrm>
-      </p:grpSpPr>
-      <p:sp>
-        <p:nvSpPr>
-          <p:cNvPr id="2" name="Title 1"/>
-          <p:cNvSpPr>
-            <a:spLocks noGrp="1"/>
-          </p:cNvSpPr>
-          <p:nvPr>
-            <p:ph type="title"/>
-          </p:nvPr>
-        </p:nvSpPr>
-        <p:spPr/>
-        <p:txBody>
-          <a:bodyPr/>
-          <a:lstStyle/>
-          <a:p>
-            <a:r>
-              <a:rPr lang="en-CA" dirty="0"/>
-              <a:t>Task Assignment</a:t>
-            </a:r>
-          </a:p>
-        </p:txBody>
-      </p:sp>
-      <p:pic>
-        <p:nvPicPr>
-          <p:cNvPr id="2050" name="Picture 2" descr="https://scontent-sea1-1.xx.fbcdn.net/v/t34.0-12/18361609_10102201824163731_161269662_n.jpg?oh=387c97c56a729542d206bc2f379bdd3e&amp;oe=590F305B"/>
-          <p:cNvPicPr>
-            <a:picLocks noGrp="1" noChangeAspect="1" noChangeArrowheads="1"/>
-          </p:cNvPicPr>
-          <p:nvPr>
-            <p:ph idx="1"/>
-          </p:nvPr>
-        </p:nvPicPr>
-        <p:blipFill>
-          <a:blip r:embed="rId3">
-            <a:extLst>
-              <a:ext uri="{28A0092B-C50C-407E-A947-70E740481C1C}">
-                <a14:useLocalDpi xmlns:a14="http://schemas.microsoft.com/office/drawing/2010/main" val="0"/>
-              </a:ext>
-            </a:extLst>
-          </a:blip>
-          <a:srcRect/>
-          <a:stretch>
-            <a:fillRect/>
-          </a:stretch>
-        </p:blipFill>
-        <p:spPr bwMode="auto">
-          <a:xfrm>
-            <a:off x="2284412" y="1743075"/>
-            <a:ext cx="7620000" cy="4286250"/>
-          </a:xfrm>
-          <a:prstGeom prst="rect">
-            <a:avLst/>
-          </a:prstGeom>
-          <a:noFill/>
-          <a:extLst>
-            <a:ext uri="{909E8E84-426E-40DD-AFC4-6F175D3DCCD1}">
-              <a14:hiddenFill xmlns:a14="http://schemas.microsoft.com/office/drawing/2010/main">
-                <a:solidFill>
-                  <a:srgbClr val="FFFFFF"/>
-                </a:solidFill>
-              </a14:hiddenFill>
-            </a:ext>
-          </a:extLst>
-        </p:spPr>
-      </p:pic>
-      <p:sp>
-        <p:nvSpPr>
-          <p:cNvPr id="4" name="Oval 3"/>
-          <p:cNvSpPr/>
-          <p:nvPr/>
-        </p:nvSpPr>
-        <p:spPr>
-          <a:xfrm>
-            <a:off x="4006180" y="2420888"/>
-            <a:ext cx="1224136" cy="1224136"/>
-          </a:xfrm>
-          <a:prstGeom prst="ellipse">
-            <a:avLst/>
-          </a:prstGeom>
-          <a:noFill/>
-          <a:ln w="38100">
-            <a:solidFill>
-              <a:srgbClr val="FFC000"/>
-            </a:solidFill>
-          </a:ln>
-        </p:spPr>
-        <p:style>
-          <a:lnRef idx="2">
-            <a:schemeClr val="accent1">
-              <a:shade val="50000"/>
-            </a:schemeClr>
-          </a:lnRef>
-          <a:fillRef idx="1">
-            <a:schemeClr val="accent1"/>
-          </a:fillRef>
-          <a:effectRef idx="0">
-            <a:schemeClr val="accent1"/>
-          </a:effectRef>
-          <a:fontRef idx="minor">
-            <a:schemeClr val="lt1"/>
-          </a:fontRef>
-        </p:style>
-        <p:txBody>
-          <a:bodyPr rtlCol="0" anchor="ctr"/>
-          <a:lstStyle/>
-          <a:p>
-            <a:pPr algn="ctr"/>
-            <a:endParaRPr lang="en-CA"/>
-          </a:p>
-        </p:txBody>
-      </p:sp>
-      <p:sp>
-        <p:nvSpPr>
-          <p:cNvPr id="6" name="Oval 5"/>
-          <p:cNvSpPr/>
-          <p:nvPr/>
-        </p:nvSpPr>
-        <p:spPr>
-          <a:xfrm>
-            <a:off x="5482344" y="2852936"/>
-            <a:ext cx="1980220" cy="1368152"/>
-          </a:xfrm>
-          <a:prstGeom prst="ellipse">
-            <a:avLst/>
-          </a:prstGeom>
-          <a:noFill/>
-          <a:ln w="38100">
-            <a:solidFill>
-              <a:srgbClr val="FFC000"/>
-            </a:solidFill>
-          </a:ln>
-        </p:spPr>
-        <p:style>
-          <a:lnRef idx="2">
-            <a:schemeClr val="accent1">
-              <a:shade val="50000"/>
-            </a:schemeClr>
-          </a:lnRef>
-          <a:fillRef idx="1">
-            <a:schemeClr val="accent1"/>
-          </a:fillRef>
-          <a:effectRef idx="0">
-            <a:schemeClr val="accent1"/>
-          </a:effectRef>
-          <a:fontRef idx="minor">
-            <a:schemeClr val="lt1"/>
-          </a:fontRef>
-        </p:style>
-        <p:txBody>
-          <a:bodyPr rtlCol="0" anchor="ctr"/>
-          <a:lstStyle/>
-          <a:p>
-            <a:pPr algn="ctr"/>
-            <a:endParaRPr lang="en-CA"/>
-          </a:p>
-        </p:txBody>
-      </p:sp>
-      <p:sp>
-        <p:nvSpPr>
-          <p:cNvPr id="7" name="Oval 6"/>
-          <p:cNvSpPr/>
-          <p:nvPr/>
-        </p:nvSpPr>
-        <p:spPr>
-          <a:xfrm>
-            <a:off x="8038628" y="2420888"/>
-            <a:ext cx="576064" cy="576064"/>
-          </a:xfrm>
-          <a:prstGeom prst="ellipse">
-            <a:avLst/>
-          </a:prstGeom>
-          <a:noFill/>
-          <a:ln w="38100">
-            <a:solidFill>
-              <a:srgbClr val="FFC000"/>
-            </a:solidFill>
-          </a:ln>
-        </p:spPr>
-        <p:style>
-          <a:lnRef idx="2">
-            <a:schemeClr val="accent1">
-              <a:shade val="50000"/>
-            </a:schemeClr>
-          </a:lnRef>
-          <a:fillRef idx="1">
-            <a:schemeClr val="accent1"/>
-          </a:fillRef>
-          <a:effectRef idx="0">
-            <a:schemeClr val="accent1"/>
-          </a:effectRef>
-          <a:fontRef idx="minor">
-            <a:schemeClr val="lt1"/>
-          </a:fontRef>
-        </p:style>
-        <p:txBody>
-          <a:bodyPr rtlCol="0" anchor="ctr"/>
-          <a:lstStyle/>
-          <a:p>
-            <a:pPr algn="ctr"/>
-            <a:endParaRPr lang="en-CA"/>
-          </a:p>
-        </p:txBody>
-      </p:sp>
-    </p:spTree>
-    <p:extLst>
-      <p:ext uri="{BB962C8B-B14F-4D97-AF65-F5344CB8AC3E}">
-        <p14:creationId xmlns:p14="http://schemas.microsoft.com/office/powerpoint/2010/main" val="669582669"/>
+        <p14:creationId xmlns:p14="http://schemas.microsoft.com/office/powerpoint/2010/main" val="10678458"/>
       </p:ext>
     </p:extLst>
   </p:cSld>
@@ -7021,6 +6677,9 @@
                     <p:cTn id="3" fill="hold">
                       <p:stCondLst>
                         <p:cond delay="indefinite"/>
+                        <p:cond evt="onBegin" delay="0">
+                          <p:tn val="2"/>
+                        </p:cond>
                       </p:stCondLst>
                       <p:childTnLst>
                         <p:par>
@@ -7030,7 +6689,7 @@
                             </p:stCondLst>
                             <p:childTnLst>
                               <p:par>
-                                <p:cTn id="5" presetID="22" presetClass="entr" presetSubtype="4" fill="hold" grpId="0" nodeType="clickEffect">
+                                <p:cTn id="5" presetID="22" presetClass="entr" presetSubtype="4" fill="hold" grpId="0" nodeType="afterEffect">
                                   <p:stCondLst>
                                     <p:cond delay="0"/>
                                   </p:stCondLst>
@@ -7043,7 +6702,7 @@
                                           </p:stCondLst>
                                         </p:cTn>
                                         <p:tgtEl>
-                                          <p:spTgt spid="4"/>
+                                          <p:spTgt spid="3"/>
                                         </p:tgtEl>
                                         <p:attrNameLst>
                                           <p:attrName>style.visibility</p:attrName>
@@ -7057,77 +6716,7 @@
                                       <p:cBhvr>
                                         <p:cTn id="7" dur="500"/>
                                         <p:tgtEl>
-                                          <p:spTgt spid="4"/>
-                                        </p:tgtEl>
-                                      </p:cBhvr>
-                                    </p:animEffect>
-                                  </p:childTnLst>
-                                </p:cTn>
-                              </p:par>
-                              <p:par>
-                                <p:cTn id="8" presetID="10" presetClass="entr" presetSubtype="0" fill="hold" grpId="0" nodeType="withEffect">
-                                  <p:stCondLst>
-                                    <p:cond delay="0"/>
-                                  </p:stCondLst>
-                                  <p:childTnLst>
-                                    <p:set>
-                                      <p:cBhvr>
-                                        <p:cTn id="9" dur="1" fill="hold">
-                                          <p:stCondLst>
-                                            <p:cond delay="0"/>
-                                          </p:stCondLst>
-                                        </p:cTn>
-                                        <p:tgtEl>
-                                          <p:spTgt spid="6"/>
-                                        </p:tgtEl>
-                                        <p:attrNameLst>
-                                          <p:attrName>style.visibility</p:attrName>
-                                        </p:attrNameLst>
-                                      </p:cBhvr>
-                                      <p:to>
-                                        <p:strVal val="visible"/>
-                                      </p:to>
-                                    </p:set>
-                                    <p:animEffect transition="in" filter="fade">
-                                      <p:cBhvr>
-                                        <p:cTn id="10" dur="500"/>
-                                        <p:tgtEl>
-                                          <p:spTgt spid="6"/>
-                                        </p:tgtEl>
-                                      </p:cBhvr>
-                                    </p:animEffect>
-                                  </p:childTnLst>
-                                </p:cTn>
-                              </p:par>
-                              <p:par>
-                                <p:cTn id="11" presetID="22" presetClass="entr" presetSubtype="4" fill="hold" grpId="0" nodeType="withEffect">
-                                  <p:stCondLst>
-                                    <p:cond delay="0"/>
-                                  </p:stCondLst>
-                                  <p:childTnLst>
-                                    <p:set>
-                                      <p:cBhvr>
-                                        <p:cTn id="12" dur="1" fill="hold">
-                                          <p:stCondLst>
-                                            <p:cond delay="0"/>
-                                          </p:stCondLst>
-                                        </p:cTn>
-                                        <p:tgtEl>
-                                          <p:spTgt spid="7"/>
-                                        </p:tgtEl>
-                                        <p:attrNameLst>
-                                          <p:attrName>style.visibility</p:attrName>
-                                        </p:attrNameLst>
-                                      </p:cBhvr>
-                                      <p:to>
-                                        <p:strVal val="visible"/>
-                                      </p:to>
-                                    </p:set>
-                                    <p:animEffect transition="in" filter="wipe(down)">
-                                      <p:cBhvr>
-                                        <p:cTn id="13" dur="500"/>
-                                        <p:tgtEl>
-                                          <p:spTgt spid="7"/>
+                                          <p:spTgt spid="3"/>
                                         </p:tgtEl>
                                       </p:cBhvr>
                                     </p:animEffect>
@@ -7162,567 +6751,13 @@
       </p:par>
     </p:tnLst>
     <p:bldLst>
-      <p:bldP spid="4" grpId="0" animBg="1"/>
-      <p:bldP spid="6" grpId="0" animBg="1"/>
-      <p:bldP spid="7" grpId="0" animBg="1"/>
+      <p:bldP spid="3" grpId="0" animBg="1"/>
     </p:bldLst>
   </p:timing>
 </p:sld>
 </file>
 
-<file path=ppt/slides/slide6.xml><?xml version="1.0" encoding="utf-8"?>
-<p:sld xmlns:a="http://schemas.openxmlformats.org/drawingml/2006/main" xmlns:r="http://schemas.openxmlformats.org/officeDocument/2006/relationships" xmlns:p="http://schemas.openxmlformats.org/presentationml/2006/main">
-  <p:cSld>
-    <p:spTree>
-      <p:nvGrpSpPr>
-        <p:cNvPr id="1" name=""/>
-        <p:cNvGrpSpPr/>
-        <p:nvPr/>
-      </p:nvGrpSpPr>
-      <p:grpSpPr>
-        <a:xfrm>
-          <a:off x="0" y="0"/>
-          <a:ext cx="0" cy="0"/>
-          <a:chOff x="0" y="0"/>
-          <a:chExt cx="0" cy="0"/>
-        </a:xfrm>
-      </p:grpSpPr>
-      <p:sp>
-        <p:nvSpPr>
-          <p:cNvPr id="2" name="Title 1"/>
-          <p:cNvSpPr>
-            <a:spLocks noGrp="1"/>
-          </p:cNvSpPr>
-          <p:nvPr>
-            <p:ph type="title"/>
-          </p:nvPr>
-        </p:nvSpPr>
-        <p:spPr>
-          <a:xfrm>
-            <a:off x="1125860" y="585664"/>
-            <a:ext cx="9751060" cy="755104"/>
-          </a:xfrm>
-        </p:spPr>
-        <p:txBody>
-          <a:bodyPr/>
-          <a:lstStyle/>
-          <a:p>
-            <a:r>
-              <a:rPr lang="en-CA" dirty="0"/>
-              <a:t>Individual Tasks</a:t>
-            </a:r>
-          </a:p>
-        </p:txBody>
-      </p:sp>
-      <p:pic>
-        <p:nvPicPr>
-          <p:cNvPr id="7" name="Picture 6"/>
-          <p:cNvPicPr>
-            <a:picLocks noChangeAspect="1"/>
-          </p:cNvPicPr>
-          <p:nvPr/>
-        </p:nvPicPr>
-        <p:blipFill>
-          <a:blip r:embed="rId3"/>
-          <a:stretch>
-            <a:fillRect/>
-          </a:stretch>
-        </p:blipFill>
-        <p:spPr>
-          <a:xfrm>
-            <a:off x="5662364" y="1306659"/>
-            <a:ext cx="6408712" cy="2698405"/>
-          </a:xfrm>
-          <a:prstGeom prst="rect">
-            <a:avLst/>
-          </a:prstGeom>
-        </p:spPr>
-      </p:pic>
-      <p:pic>
-        <p:nvPicPr>
-          <p:cNvPr id="8" name="Picture 7"/>
-          <p:cNvPicPr>
-            <a:picLocks noChangeAspect="1"/>
-          </p:cNvPicPr>
-          <p:nvPr/>
-        </p:nvPicPr>
-        <p:blipFill>
-          <a:blip r:embed="rId4"/>
-          <a:stretch>
-            <a:fillRect/>
-          </a:stretch>
-        </p:blipFill>
-        <p:spPr>
-          <a:xfrm>
-            <a:off x="45740" y="1338676"/>
-            <a:ext cx="5613202" cy="5330684"/>
-          </a:xfrm>
-          <a:prstGeom prst="rect">
-            <a:avLst/>
-          </a:prstGeom>
-        </p:spPr>
-      </p:pic>
-    </p:spTree>
-    <p:extLst>
-      <p:ext uri="{BB962C8B-B14F-4D97-AF65-F5344CB8AC3E}">
-        <p14:creationId xmlns:p14="http://schemas.microsoft.com/office/powerpoint/2010/main" val="1653684835"/>
-      </p:ext>
-    </p:extLst>
-  </p:cSld>
-  <p:clrMapOvr>
-    <a:masterClrMapping/>
-  </p:clrMapOvr>
-  <mc:AlternateContent xmlns:mc="http://schemas.openxmlformats.org/markup-compatibility/2006" xmlns:p14="http://schemas.microsoft.com/office/powerpoint/2010/main">
-    <mc:Choice Requires="p14">
-      <p:transition spd="med" p14:dur="700">
-        <p:fade/>
-      </p:transition>
-    </mc:Choice>
-    <mc:Fallback xmlns="">
-      <p:transition spd="med">
-        <p:fade/>
-      </p:transition>
-    </mc:Fallback>
-  </mc:AlternateContent>
-</p:sld>
-</file>
-
-<file path=ppt/slides/slide7.xml><?xml version="1.0" encoding="utf-8"?>
-<p:sld xmlns:a="http://schemas.openxmlformats.org/drawingml/2006/main" xmlns:r="http://schemas.openxmlformats.org/officeDocument/2006/relationships" xmlns:p="http://schemas.openxmlformats.org/presentationml/2006/main">
-  <p:cSld>
-    <p:spTree>
-      <p:nvGrpSpPr>
-        <p:cNvPr id="1" name=""/>
-        <p:cNvGrpSpPr/>
-        <p:nvPr/>
-      </p:nvGrpSpPr>
-      <p:grpSpPr>
-        <a:xfrm>
-          <a:off x="0" y="0"/>
-          <a:ext cx="0" cy="0"/>
-          <a:chOff x="0" y="0"/>
-          <a:chExt cx="0" cy="0"/>
-        </a:xfrm>
-      </p:grpSpPr>
-      <p:sp>
-        <p:nvSpPr>
-          <p:cNvPr id="2" name="Title 1"/>
-          <p:cNvSpPr>
-            <a:spLocks noGrp="1"/>
-          </p:cNvSpPr>
-          <p:nvPr>
-            <p:ph type="title"/>
-          </p:nvPr>
-        </p:nvSpPr>
-        <p:spPr/>
-        <p:txBody>
-          <a:bodyPr/>
-          <a:lstStyle/>
-          <a:p>
-            <a:r>
-              <a:rPr lang="en-CA" dirty="0" err="1"/>
-              <a:t>Scrumboard</a:t>
-            </a:r>
-            <a:r>
-              <a:rPr lang="en-CA" dirty="0"/>
-              <a:t> Tasks</a:t>
-            </a:r>
-          </a:p>
-        </p:txBody>
-      </p:sp>
-      <p:pic>
-        <p:nvPicPr>
-          <p:cNvPr id="4" name="Content Placeholder 3"/>
-          <p:cNvPicPr>
-            <a:picLocks noGrp="1" noChangeAspect="1"/>
-          </p:cNvPicPr>
-          <p:nvPr>
-            <p:ph idx="1"/>
-          </p:nvPr>
-        </p:nvPicPr>
-        <p:blipFill>
-          <a:blip r:embed="rId3"/>
-          <a:stretch>
-            <a:fillRect/>
-          </a:stretch>
-        </p:blipFill>
-        <p:spPr>
-          <a:xfrm>
-            <a:off x="1510419" y="1600200"/>
-            <a:ext cx="9167987" cy="4572000"/>
-          </a:xfrm>
-          <a:prstGeom prst="rect">
-            <a:avLst/>
-          </a:prstGeom>
-        </p:spPr>
-      </p:pic>
-      <p:sp>
-        <p:nvSpPr>
-          <p:cNvPr id="5" name="Oval 4"/>
-          <p:cNvSpPr/>
-          <p:nvPr/>
-        </p:nvSpPr>
-        <p:spPr>
-          <a:xfrm>
-            <a:off x="6094412" y="5733256"/>
-            <a:ext cx="1980220" cy="684076"/>
-          </a:xfrm>
-          <a:prstGeom prst="ellipse">
-            <a:avLst/>
-          </a:prstGeom>
-          <a:noFill/>
-          <a:ln w="38100">
-            <a:solidFill>
-              <a:srgbClr val="FFC000"/>
-            </a:solidFill>
-          </a:ln>
-        </p:spPr>
-        <p:style>
-          <a:lnRef idx="2">
-            <a:schemeClr val="accent1">
-              <a:shade val="50000"/>
-            </a:schemeClr>
-          </a:lnRef>
-          <a:fillRef idx="1">
-            <a:schemeClr val="accent1"/>
-          </a:fillRef>
-          <a:effectRef idx="0">
-            <a:schemeClr val="accent1"/>
-          </a:effectRef>
-          <a:fontRef idx="minor">
-            <a:schemeClr val="lt1"/>
-          </a:fontRef>
-        </p:style>
-        <p:txBody>
-          <a:bodyPr rtlCol="0" anchor="ctr"/>
-          <a:lstStyle/>
-          <a:p>
-            <a:pPr algn="ctr"/>
-            <a:endParaRPr lang="en-CA"/>
-          </a:p>
-        </p:txBody>
-      </p:sp>
-      <p:pic>
-        <p:nvPicPr>
-          <p:cNvPr id="6" name="Picture 5"/>
-          <p:cNvPicPr>
-            <a:picLocks noChangeAspect="1"/>
-          </p:cNvPicPr>
-          <p:nvPr/>
-        </p:nvPicPr>
-        <p:blipFill>
-          <a:blip r:embed="rId4"/>
-          <a:stretch>
-            <a:fillRect/>
-          </a:stretch>
-        </p:blipFill>
-        <p:spPr>
-          <a:xfrm>
-            <a:off x="5446340" y="908720"/>
-            <a:ext cx="6448425" cy="285750"/>
-          </a:xfrm>
-          <a:prstGeom prst="rect">
-            <a:avLst/>
-          </a:prstGeom>
-        </p:spPr>
-      </p:pic>
-    </p:spTree>
-    <p:extLst>
-      <p:ext uri="{BB962C8B-B14F-4D97-AF65-F5344CB8AC3E}">
-        <p14:creationId xmlns:p14="http://schemas.microsoft.com/office/powerpoint/2010/main" val="1238952302"/>
-      </p:ext>
-    </p:extLst>
-  </p:cSld>
-  <p:clrMapOvr>
-    <a:masterClrMapping/>
-  </p:clrMapOvr>
-  <mc:AlternateContent xmlns:mc="http://schemas.openxmlformats.org/markup-compatibility/2006" xmlns:p14="http://schemas.microsoft.com/office/powerpoint/2010/main">
-    <mc:Choice Requires="p14">
-      <p:transition spd="med" p14:dur="700">
-        <p:fade/>
-      </p:transition>
-    </mc:Choice>
-    <mc:Fallback xmlns="">
-      <p:transition spd="med">
-        <p:fade/>
-      </p:transition>
-    </mc:Fallback>
-  </mc:AlternateContent>
-  <p:timing>
-    <p:tnLst>
-      <p:par>
-        <p:cTn id="1" dur="indefinite" restart="never" nodeType="tmRoot">
-          <p:childTnLst>
-            <p:seq concurrent="1" nextAc="seek">
-              <p:cTn id="2" dur="indefinite" nodeType="mainSeq">
-                <p:childTnLst>
-                  <p:par>
-                    <p:cTn id="3" fill="hold">
-                      <p:stCondLst>
-                        <p:cond delay="indefinite"/>
-                      </p:stCondLst>
-                      <p:childTnLst>
-                        <p:par>
-                          <p:cTn id="4" fill="hold">
-                            <p:stCondLst>
-                              <p:cond delay="0"/>
-                            </p:stCondLst>
-                            <p:childTnLst>
-                              <p:par>
-                                <p:cTn id="5" presetID="2" presetClass="entr" presetSubtype="4" fill="hold" nodeType="clickEffect">
-                                  <p:stCondLst>
-                                    <p:cond delay="0"/>
-                                  </p:stCondLst>
-                                  <p:childTnLst>
-                                    <p:set>
-                                      <p:cBhvr>
-                                        <p:cTn id="6" dur="1" fill="hold">
-                                          <p:stCondLst>
-                                            <p:cond delay="0"/>
-                                          </p:stCondLst>
-                                        </p:cTn>
-                                        <p:tgtEl>
-                                          <p:spTgt spid="6"/>
-                                        </p:tgtEl>
-                                        <p:attrNameLst>
-                                          <p:attrName>style.visibility</p:attrName>
-                                        </p:attrNameLst>
-                                      </p:cBhvr>
-                                      <p:to>
-                                        <p:strVal val="visible"/>
-                                      </p:to>
-                                    </p:set>
-                                    <p:anim calcmode="lin" valueType="num">
-                                      <p:cBhvr additive="base">
-                                        <p:cTn id="7" dur="500" fill="hold"/>
-                                        <p:tgtEl>
-                                          <p:spTgt spid="6"/>
-                                        </p:tgtEl>
-                                        <p:attrNameLst>
-                                          <p:attrName>ppt_x</p:attrName>
-                                        </p:attrNameLst>
-                                      </p:cBhvr>
-                                      <p:tavLst>
-                                        <p:tav tm="0">
-                                          <p:val>
-                                            <p:strVal val="#ppt_x"/>
-                                          </p:val>
-                                        </p:tav>
-                                        <p:tav tm="100000">
-                                          <p:val>
-                                            <p:strVal val="#ppt_x"/>
-                                          </p:val>
-                                        </p:tav>
-                                      </p:tavLst>
-                                    </p:anim>
-                                    <p:anim calcmode="lin" valueType="num">
-                                      <p:cBhvr additive="base">
-                                        <p:cTn id="8" dur="500" fill="hold"/>
-                                        <p:tgtEl>
-                                          <p:spTgt spid="6"/>
-                                        </p:tgtEl>
-                                        <p:attrNameLst>
-                                          <p:attrName>ppt_y</p:attrName>
-                                        </p:attrNameLst>
-                                      </p:cBhvr>
-                                      <p:tavLst>
-                                        <p:tav tm="0">
-                                          <p:val>
-                                            <p:strVal val="1+#ppt_h/2"/>
-                                          </p:val>
-                                        </p:tav>
-                                        <p:tav tm="100000">
-                                          <p:val>
-                                            <p:strVal val="#ppt_y"/>
-                                          </p:val>
-                                        </p:tav>
-                                      </p:tavLst>
-                                    </p:anim>
-                                  </p:childTnLst>
-                                </p:cTn>
-                              </p:par>
-                            </p:childTnLst>
-                          </p:cTn>
-                        </p:par>
-                      </p:childTnLst>
-                    </p:cTn>
-                  </p:par>
-                  <p:par>
-                    <p:cTn id="9" fill="hold">
-                      <p:stCondLst>
-                        <p:cond delay="indefinite"/>
-                      </p:stCondLst>
-                      <p:childTnLst>
-                        <p:par>
-                          <p:cTn id="10" fill="hold">
-                            <p:stCondLst>
-                              <p:cond delay="0"/>
-                            </p:stCondLst>
-                            <p:childTnLst>
-                              <p:par>
-                                <p:cTn id="11" presetID="10" presetClass="entr" presetSubtype="0" fill="hold" grpId="0" nodeType="clickEffect">
-                                  <p:stCondLst>
-                                    <p:cond delay="0"/>
-                                  </p:stCondLst>
-                                  <p:childTnLst>
-                                    <p:set>
-                                      <p:cBhvr>
-                                        <p:cTn id="12" dur="1" fill="hold">
-                                          <p:stCondLst>
-                                            <p:cond delay="0"/>
-                                          </p:stCondLst>
-                                        </p:cTn>
-                                        <p:tgtEl>
-                                          <p:spTgt spid="5"/>
-                                        </p:tgtEl>
-                                        <p:attrNameLst>
-                                          <p:attrName>style.visibility</p:attrName>
-                                        </p:attrNameLst>
-                                      </p:cBhvr>
-                                      <p:to>
-                                        <p:strVal val="visible"/>
-                                      </p:to>
-                                    </p:set>
-                                    <p:animEffect transition="in" filter="fade">
-                                      <p:cBhvr>
-                                        <p:cTn id="13" dur="500"/>
-                                        <p:tgtEl>
-                                          <p:spTgt spid="5"/>
-                                        </p:tgtEl>
-                                      </p:cBhvr>
-                                    </p:animEffect>
-                                  </p:childTnLst>
-                                </p:cTn>
-                              </p:par>
-                            </p:childTnLst>
-                          </p:cTn>
-                        </p:par>
-                      </p:childTnLst>
-                    </p:cTn>
-                  </p:par>
-                </p:childTnLst>
-              </p:cTn>
-              <p:prevCondLst>
-                <p:cond evt="onPrev" delay="0">
-                  <p:tgtEl>
-                    <p:sldTgt/>
-                  </p:tgtEl>
-                </p:cond>
-              </p:prevCondLst>
-              <p:nextCondLst>
-                <p:cond evt="onNext" delay="0">
-                  <p:tgtEl>
-                    <p:sldTgt/>
-                  </p:tgtEl>
-                </p:cond>
-              </p:nextCondLst>
-            </p:seq>
-          </p:childTnLst>
-        </p:cTn>
-      </p:par>
-    </p:tnLst>
-    <p:bldLst>
-      <p:bldP spid="5" grpId="0" animBg="1"/>
-    </p:bldLst>
-  </p:timing>
-</p:sld>
-</file>
-
-<file path=ppt/slides/slide8.xml><?xml version="1.0" encoding="utf-8"?>
-<p:sld xmlns:a="http://schemas.openxmlformats.org/drawingml/2006/main" xmlns:r="http://schemas.openxmlformats.org/officeDocument/2006/relationships" xmlns:p="http://schemas.openxmlformats.org/presentationml/2006/main">
-  <p:cSld>
-    <p:spTree>
-      <p:nvGrpSpPr>
-        <p:cNvPr id="1" name=""/>
-        <p:cNvGrpSpPr/>
-        <p:nvPr/>
-      </p:nvGrpSpPr>
-      <p:grpSpPr>
-        <a:xfrm>
-          <a:off x="0" y="0"/>
-          <a:ext cx="0" cy="0"/>
-          <a:chOff x="0" y="0"/>
-          <a:chExt cx="0" cy="0"/>
-        </a:xfrm>
-      </p:grpSpPr>
-      <p:sp>
-        <p:nvSpPr>
-          <p:cNvPr id="2" name="Title 1"/>
-          <p:cNvSpPr>
-            <a:spLocks noGrp="1"/>
-          </p:cNvSpPr>
-          <p:nvPr>
-            <p:ph type="title"/>
-          </p:nvPr>
-        </p:nvSpPr>
-        <p:spPr/>
-        <p:txBody>
-          <a:bodyPr/>
-          <a:lstStyle/>
-          <a:p>
-            <a:r>
-              <a:rPr lang="en-CA" dirty="0"/>
-              <a:t>Our </a:t>
-            </a:r>
-            <a:r>
-              <a:rPr lang="en-CA" dirty="0" err="1"/>
-              <a:t>Scrumboard</a:t>
-            </a:r>
-            <a:endParaRPr lang="en-CA" dirty="0"/>
-          </a:p>
-        </p:txBody>
-      </p:sp>
-      <p:sp>
-        <p:nvSpPr>
-          <p:cNvPr id="3" name="Content Placeholder 2"/>
-          <p:cNvSpPr>
-            <a:spLocks noGrp="1"/>
-          </p:cNvSpPr>
-          <p:nvPr>
-            <p:ph idx="1"/>
-          </p:nvPr>
-        </p:nvSpPr>
-        <p:spPr/>
-        <p:txBody>
-          <a:bodyPr/>
-          <a:lstStyle/>
-          <a:p>
-            <a:r>
-              <a:rPr lang="en-CA" dirty="0">
-                <a:hlinkClick r:id="rId2"/>
-              </a:rPr>
-              <a:t>Click here!</a:t>
-            </a:r>
-            <a:endParaRPr lang="en-CA" dirty="0"/>
-          </a:p>
-        </p:txBody>
-      </p:sp>
-    </p:spTree>
-    <p:extLst>
-      <p:ext uri="{BB962C8B-B14F-4D97-AF65-F5344CB8AC3E}">
-        <p14:creationId xmlns:p14="http://schemas.microsoft.com/office/powerpoint/2010/main" val="1903923789"/>
-      </p:ext>
-    </p:extLst>
-  </p:cSld>
-  <p:clrMapOvr>
-    <a:masterClrMapping/>
-  </p:clrMapOvr>
-  <mc:AlternateContent xmlns:mc="http://schemas.openxmlformats.org/markup-compatibility/2006" xmlns:p14="http://schemas.microsoft.com/office/powerpoint/2010/main">
-    <mc:Choice Requires="p14">
-      <p:transition spd="med" p14:dur="700">
-        <p:fade/>
-      </p:transition>
-    </mc:Choice>
-    <mc:Fallback xmlns="">
-      <p:transition spd="med">
-        <p:fade/>
-      </p:transition>
-    </mc:Fallback>
-  </mc:AlternateContent>
-</p:sld>
-</file>
-
-<file path=ppt/slides/slide9.xml><?xml version="1.0" encoding="utf-8"?>
+<file path=ppt/slides/slide11.xml><?xml version="1.0" encoding="utf-8"?>
 <p:sld xmlns:a="http://schemas.openxmlformats.org/drawingml/2006/main" xmlns:r="http://schemas.openxmlformats.org/officeDocument/2006/relationships" xmlns:p="http://schemas.openxmlformats.org/presentationml/2006/main">
   <p:cSld>
     <p:spTree>
@@ -9586,6 +8621,1495 @@
 </p:sld>
 </file>
 
+<file path=ppt/slides/slide2.xml><?xml version="1.0" encoding="utf-8"?>
+<p:sld xmlns:a="http://schemas.openxmlformats.org/drawingml/2006/main" xmlns:r="http://schemas.openxmlformats.org/officeDocument/2006/relationships" xmlns:p="http://schemas.openxmlformats.org/presentationml/2006/main">
+  <p:cSld>
+    <p:spTree>
+      <p:nvGrpSpPr>
+        <p:cNvPr id="1" name=""/>
+        <p:cNvGrpSpPr/>
+        <p:nvPr/>
+      </p:nvGrpSpPr>
+      <p:grpSpPr>
+        <a:xfrm>
+          <a:off x="0" y="0"/>
+          <a:ext cx="0" cy="0"/>
+          <a:chOff x="0" y="0"/>
+          <a:chExt cx="0" cy="0"/>
+        </a:xfrm>
+      </p:grpSpPr>
+      <p:sp>
+        <p:nvSpPr>
+          <p:cNvPr id="2" name="Title 1"/>
+          <p:cNvSpPr>
+            <a:spLocks noGrp="1"/>
+          </p:cNvSpPr>
+          <p:nvPr>
+            <p:ph type="title"/>
+          </p:nvPr>
+        </p:nvSpPr>
+        <p:spPr/>
+        <p:txBody>
+          <a:bodyPr/>
+          <a:lstStyle/>
+          <a:p>
+            <a:r>
+              <a:rPr lang="en-CA" dirty="0"/>
+              <a:t>Agenda</a:t>
+            </a:r>
+            <a:endParaRPr lang="en-US" dirty="0"/>
+          </a:p>
+        </p:txBody>
+      </p:sp>
+      <p:sp>
+        <p:nvSpPr>
+          <p:cNvPr id="8" name="Content Placeholder 7"/>
+          <p:cNvSpPr>
+            <a:spLocks noGrp="1"/>
+          </p:cNvSpPr>
+          <p:nvPr>
+            <p:ph idx="1"/>
+          </p:nvPr>
+        </p:nvSpPr>
+        <p:spPr/>
+        <p:txBody>
+          <a:bodyPr/>
+          <a:lstStyle/>
+          <a:p>
+            <a:r>
+              <a:rPr lang="en-CA" dirty="0"/>
+              <a:t>Process</a:t>
+            </a:r>
+          </a:p>
+          <a:p>
+            <a:r>
+              <a:rPr lang="en-CA" dirty="0"/>
+              <a:t>Task Identification</a:t>
+            </a:r>
+          </a:p>
+          <a:p>
+            <a:r>
+              <a:rPr lang="en-CA" dirty="0"/>
+              <a:t>Task Assignment</a:t>
+            </a:r>
+          </a:p>
+          <a:p>
+            <a:r>
+              <a:rPr lang="en-CA" dirty="0"/>
+              <a:t>Individual Tasks</a:t>
+            </a:r>
+          </a:p>
+        </p:txBody>
+      </p:sp>
+    </p:spTree>
+    <p:extLst>
+      <p:ext uri="{BB962C8B-B14F-4D97-AF65-F5344CB8AC3E}">
+        <p14:creationId xmlns:p14="http://schemas.microsoft.com/office/powerpoint/2010/main" val="2833839151"/>
+      </p:ext>
+    </p:extLst>
+  </p:cSld>
+  <p:clrMapOvr>
+    <a:masterClrMapping/>
+  </p:clrMapOvr>
+  <mc:AlternateContent xmlns:mc="http://schemas.openxmlformats.org/markup-compatibility/2006" xmlns:p14="http://schemas.microsoft.com/office/powerpoint/2010/main">
+    <mc:Choice Requires="p14">
+      <p:transition spd="med" p14:dur="700">
+        <p:fade/>
+      </p:transition>
+    </mc:Choice>
+    <mc:Fallback xmlns="">
+      <p:transition spd="med">
+        <p:fade/>
+      </p:transition>
+    </mc:Fallback>
+  </mc:AlternateContent>
+</p:sld>
+</file>
+
+<file path=ppt/slides/slide3.xml><?xml version="1.0" encoding="utf-8"?>
+<p:sld xmlns:a="http://schemas.openxmlformats.org/drawingml/2006/main" xmlns:r="http://schemas.openxmlformats.org/officeDocument/2006/relationships" xmlns:p="http://schemas.openxmlformats.org/presentationml/2006/main">
+  <p:cSld>
+    <p:spTree>
+      <p:nvGrpSpPr>
+        <p:cNvPr id="1" name=""/>
+        <p:cNvGrpSpPr/>
+        <p:nvPr/>
+      </p:nvGrpSpPr>
+      <p:grpSpPr>
+        <a:xfrm>
+          <a:off x="0" y="0"/>
+          <a:ext cx="0" cy="0"/>
+          <a:chOff x="0" y="0"/>
+          <a:chExt cx="0" cy="0"/>
+        </a:xfrm>
+      </p:grpSpPr>
+      <p:sp>
+        <p:nvSpPr>
+          <p:cNvPr id="2" name="Title 1"/>
+          <p:cNvSpPr>
+            <a:spLocks noGrp="1"/>
+          </p:cNvSpPr>
+          <p:nvPr>
+            <p:ph type="title"/>
+          </p:nvPr>
+        </p:nvSpPr>
+        <p:spPr/>
+        <p:txBody>
+          <a:bodyPr/>
+          <a:lstStyle/>
+          <a:p>
+            <a:r>
+              <a:rPr lang="en-CA" dirty="0"/>
+              <a:t>Our Process</a:t>
+            </a:r>
+          </a:p>
+        </p:txBody>
+      </p:sp>
+      <p:sp>
+        <p:nvSpPr>
+          <p:cNvPr id="3" name="Content Placeholder 2"/>
+          <p:cNvSpPr>
+            <a:spLocks noGrp="1"/>
+          </p:cNvSpPr>
+          <p:nvPr>
+            <p:ph idx="1"/>
+          </p:nvPr>
+        </p:nvSpPr>
+        <p:spPr/>
+        <p:txBody>
+          <a:bodyPr/>
+          <a:lstStyle/>
+          <a:p>
+            <a:r>
+              <a:rPr lang="en-CA" dirty="0"/>
+              <a:t>Break down project by page</a:t>
+            </a:r>
+          </a:p>
+          <a:p>
+            <a:pPr lvl="1"/>
+            <a:r>
+              <a:rPr lang="en-CA" dirty="0"/>
+              <a:t>UI elements</a:t>
+            </a:r>
+          </a:p>
+          <a:p>
+            <a:pPr lvl="1"/>
+            <a:r>
+              <a:rPr lang="en-CA" dirty="0"/>
+              <a:t>Functions</a:t>
+            </a:r>
+          </a:p>
+          <a:p>
+            <a:r>
+              <a:rPr lang="en-CA" dirty="0"/>
+              <a:t>Indicate which elements have working prototypes</a:t>
+            </a:r>
+          </a:p>
+          <a:p>
+            <a:pPr lvl="1"/>
+            <a:r>
+              <a:rPr lang="en-CA" dirty="0"/>
+              <a:t>Assign tasks based on prototypes and experience</a:t>
+            </a:r>
+          </a:p>
+          <a:p>
+            <a:r>
+              <a:rPr lang="en-CA" dirty="0"/>
+              <a:t>Break each task into 1-2 hour sub tasks</a:t>
+            </a:r>
+          </a:p>
+        </p:txBody>
+      </p:sp>
+    </p:spTree>
+    <p:extLst>
+      <p:ext uri="{BB962C8B-B14F-4D97-AF65-F5344CB8AC3E}">
+        <p14:creationId xmlns:p14="http://schemas.microsoft.com/office/powerpoint/2010/main" val="1489112537"/>
+      </p:ext>
+    </p:extLst>
+  </p:cSld>
+  <p:clrMapOvr>
+    <a:masterClrMapping/>
+  </p:clrMapOvr>
+  <mc:AlternateContent xmlns:mc="http://schemas.openxmlformats.org/markup-compatibility/2006" xmlns:p14="http://schemas.microsoft.com/office/powerpoint/2010/main">
+    <mc:Choice Requires="p14">
+      <p:transition spd="med" p14:dur="700">
+        <p:fade/>
+      </p:transition>
+    </mc:Choice>
+    <mc:Fallback xmlns="">
+      <p:transition spd="med">
+        <p:fade/>
+      </p:transition>
+    </mc:Fallback>
+  </mc:AlternateContent>
+</p:sld>
+</file>
+
+<file path=ppt/slides/slide4.xml><?xml version="1.0" encoding="utf-8"?>
+<p:sld xmlns:a="http://schemas.openxmlformats.org/drawingml/2006/main" xmlns:r="http://schemas.openxmlformats.org/officeDocument/2006/relationships" xmlns:p="http://schemas.openxmlformats.org/presentationml/2006/main">
+  <p:cSld>
+    <p:spTree>
+      <p:nvGrpSpPr>
+        <p:cNvPr id="1" name=""/>
+        <p:cNvGrpSpPr/>
+        <p:nvPr/>
+      </p:nvGrpSpPr>
+      <p:grpSpPr>
+        <a:xfrm>
+          <a:off x="0" y="0"/>
+          <a:ext cx="0" cy="0"/>
+          <a:chOff x="0" y="0"/>
+          <a:chExt cx="0" cy="0"/>
+        </a:xfrm>
+      </p:grpSpPr>
+      <p:sp>
+        <p:nvSpPr>
+          <p:cNvPr id="2" name="Title 1"/>
+          <p:cNvSpPr>
+            <a:spLocks noGrp="1"/>
+          </p:cNvSpPr>
+          <p:nvPr>
+            <p:ph type="title"/>
+          </p:nvPr>
+        </p:nvSpPr>
+        <p:spPr/>
+        <p:txBody>
+          <a:bodyPr/>
+          <a:lstStyle/>
+          <a:p>
+            <a:r>
+              <a:rPr lang="en-CA" dirty="0"/>
+              <a:t>Task Identification</a:t>
+            </a:r>
+          </a:p>
+        </p:txBody>
+      </p:sp>
+      <p:pic>
+        <p:nvPicPr>
+          <p:cNvPr id="1026" name="Picture 2" descr="https://scontent-sea1-1.xx.fbcdn.net/v/t34.0-12/18337009_10102201823664731_1735306173_n.jpg?oh=db588fd64f0fb493c3fe0c569966585e&amp;oe=590F29D1"/>
+          <p:cNvPicPr>
+            <a:picLocks noGrp="1" noChangeAspect="1" noChangeArrowheads="1"/>
+          </p:cNvPicPr>
+          <p:nvPr>
+            <p:ph idx="1"/>
+          </p:nvPr>
+        </p:nvPicPr>
+        <p:blipFill>
+          <a:blip r:embed="rId3">
+            <a:extLst>
+              <a:ext uri="{28A0092B-C50C-407E-A947-70E740481C1C}">
+                <a14:useLocalDpi xmlns:a14="http://schemas.microsoft.com/office/drawing/2010/main" val="0"/>
+              </a:ext>
+            </a:extLst>
+          </a:blip>
+          <a:srcRect/>
+          <a:stretch>
+            <a:fillRect/>
+          </a:stretch>
+        </p:blipFill>
+        <p:spPr bwMode="auto">
+          <a:xfrm>
+            <a:off x="2284412" y="1743075"/>
+            <a:ext cx="7620000" cy="4286250"/>
+          </a:xfrm>
+          <a:prstGeom prst="rect">
+            <a:avLst/>
+          </a:prstGeom>
+          <a:noFill/>
+          <a:extLst>
+            <a:ext uri="{909E8E84-426E-40DD-AFC4-6F175D3DCCD1}">
+              <a14:hiddenFill xmlns:a14="http://schemas.microsoft.com/office/drawing/2010/main">
+                <a:solidFill>
+                  <a:srgbClr val="FFFFFF"/>
+                </a:solidFill>
+              </a14:hiddenFill>
+            </a:ext>
+          </a:extLst>
+        </p:spPr>
+      </p:pic>
+    </p:spTree>
+    <p:extLst>
+      <p:ext uri="{BB962C8B-B14F-4D97-AF65-F5344CB8AC3E}">
+        <p14:creationId xmlns:p14="http://schemas.microsoft.com/office/powerpoint/2010/main" val="737306630"/>
+      </p:ext>
+    </p:extLst>
+  </p:cSld>
+  <p:clrMapOvr>
+    <a:masterClrMapping/>
+  </p:clrMapOvr>
+  <mc:AlternateContent xmlns:mc="http://schemas.openxmlformats.org/markup-compatibility/2006" xmlns:p14="http://schemas.microsoft.com/office/powerpoint/2010/main">
+    <mc:Choice Requires="p14">
+      <p:transition spd="med" p14:dur="700">
+        <p:fade/>
+      </p:transition>
+    </mc:Choice>
+    <mc:Fallback xmlns="">
+      <p:transition spd="med">
+        <p:fade/>
+      </p:transition>
+    </mc:Fallback>
+  </mc:AlternateContent>
+</p:sld>
+</file>
+
+<file path=ppt/slides/slide5.xml><?xml version="1.0" encoding="utf-8"?>
+<p:sld xmlns:a="http://schemas.openxmlformats.org/drawingml/2006/main" xmlns:r="http://schemas.openxmlformats.org/officeDocument/2006/relationships" xmlns:p="http://schemas.openxmlformats.org/presentationml/2006/main">
+  <p:cSld>
+    <p:spTree>
+      <p:nvGrpSpPr>
+        <p:cNvPr id="1" name=""/>
+        <p:cNvGrpSpPr/>
+        <p:nvPr/>
+      </p:nvGrpSpPr>
+      <p:grpSpPr>
+        <a:xfrm>
+          <a:off x="0" y="0"/>
+          <a:ext cx="0" cy="0"/>
+          <a:chOff x="0" y="0"/>
+          <a:chExt cx="0" cy="0"/>
+        </a:xfrm>
+      </p:grpSpPr>
+      <p:sp>
+        <p:nvSpPr>
+          <p:cNvPr id="2" name="Title 1"/>
+          <p:cNvSpPr>
+            <a:spLocks noGrp="1"/>
+          </p:cNvSpPr>
+          <p:nvPr>
+            <p:ph type="title"/>
+          </p:nvPr>
+        </p:nvSpPr>
+        <p:spPr/>
+        <p:txBody>
+          <a:bodyPr/>
+          <a:lstStyle/>
+          <a:p>
+            <a:r>
+              <a:rPr lang="en-CA" dirty="0"/>
+              <a:t>Task Assignment</a:t>
+            </a:r>
+          </a:p>
+        </p:txBody>
+      </p:sp>
+      <p:pic>
+        <p:nvPicPr>
+          <p:cNvPr id="2050" name="Picture 2" descr="https://scontent-sea1-1.xx.fbcdn.net/v/t34.0-12/18361609_10102201824163731_161269662_n.jpg?oh=387c97c56a729542d206bc2f379bdd3e&amp;oe=590F305B"/>
+          <p:cNvPicPr>
+            <a:picLocks noGrp="1" noChangeAspect="1" noChangeArrowheads="1"/>
+          </p:cNvPicPr>
+          <p:nvPr>
+            <p:ph idx="1"/>
+          </p:nvPr>
+        </p:nvPicPr>
+        <p:blipFill>
+          <a:blip r:embed="rId3">
+            <a:extLst>
+              <a:ext uri="{28A0092B-C50C-407E-A947-70E740481C1C}">
+                <a14:useLocalDpi xmlns:a14="http://schemas.microsoft.com/office/drawing/2010/main" val="0"/>
+              </a:ext>
+            </a:extLst>
+          </a:blip>
+          <a:srcRect/>
+          <a:stretch>
+            <a:fillRect/>
+          </a:stretch>
+        </p:blipFill>
+        <p:spPr bwMode="auto">
+          <a:xfrm>
+            <a:off x="2284412" y="1743075"/>
+            <a:ext cx="7620000" cy="4286250"/>
+          </a:xfrm>
+          <a:prstGeom prst="rect">
+            <a:avLst/>
+          </a:prstGeom>
+          <a:noFill/>
+          <a:extLst>
+            <a:ext uri="{909E8E84-426E-40DD-AFC4-6F175D3DCCD1}">
+              <a14:hiddenFill xmlns:a14="http://schemas.microsoft.com/office/drawing/2010/main">
+                <a:solidFill>
+                  <a:srgbClr val="FFFFFF"/>
+                </a:solidFill>
+              </a14:hiddenFill>
+            </a:ext>
+          </a:extLst>
+        </p:spPr>
+      </p:pic>
+      <p:sp>
+        <p:nvSpPr>
+          <p:cNvPr id="4" name="Oval 3"/>
+          <p:cNvSpPr/>
+          <p:nvPr/>
+        </p:nvSpPr>
+        <p:spPr>
+          <a:xfrm>
+            <a:off x="4006180" y="2420888"/>
+            <a:ext cx="1224136" cy="1224136"/>
+          </a:xfrm>
+          <a:prstGeom prst="ellipse">
+            <a:avLst/>
+          </a:prstGeom>
+          <a:noFill/>
+          <a:ln w="38100">
+            <a:solidFill>
+              <a:srgbClr val="FFC000"/>
+            </a:solidFill>
+          </a:ln>
+        </p:spPr>
+        <p:style>
+          <a:lnRef idx="2">
+            <a:schemeClr val="accent1">
+              <a:shade val="50000"/>
+            </a:schemeClr>
+          </a:lnRef>
+          <a:fillRef idx="1">
+            <a:schemeClr val="accent1"/>
+          </a:fillRef>
+          <a:effectRef idx="0">
+            <a:schemeClr val="accent1"/>
+          </a:effectRef>
+          <a:fontRef idx="minor">
+            <a:schemeClr val="lt1"/>
+          </a:fontRef>
+        </p:style>
+        <p:txBody>
+          <a:bodyPr rtlCol="0" anchor="ctr"/>
+          <a:lstStyle/>
+          <a:p>
+            <a:pPr algn="ctr"/>
+            <a:endParaRPr lang="en-CA"/>
+          </a:p>
+        </p:txBody>
+      </p:sp>
+      <p:sp>
+        <p:nvSpPr>
+          <p:cNvPr id="6" name="Oval 5"/>
+          <p:cNvSpPr/>
+          <p:nvPr/>
+        </p:nvSpPr>
+        <p:spPr>
+          <a:xfrm>
+            <a:off x="5482344" y="2852936"/>
+            <a:ext cx="1980220" cy="1368152"/>
+          </a:xfrm>
+          <a:prstGeom prst="ellipse">
+            <a:avLst/>
+          </a:prstGeom>
+          <a:noFill/>
+          <a:ln w="38100">
+            <a:solidFill>
+              <a:srgbClr val="FFC000"/>
+            </a:solidFill>
+          </a:ln>
+        </p:spPr>
+        <p:style>
+          <a:lnRef idx="2">
+            <a:schemeClr val="accent1">
+              <a:shade val="50000"/>
+            </a:schemeClr>
+          </a:lnRef>
+          <a:fillRef idx="1">
+            <a:schemeClr val="accent1"/>
+          </a:fillRef>
+          <a:effectRef idx="0">
+            <a:schemeClr val="accent1"/>
+          </a:effectRef>
+          <a:fontRef idx="minor">
+            <a:schemeClr val="lt1"/>
+          </a:fontRef>
+        </p:style>
+        <p:txBody>
+          <a:bodyPr rtlCol="0" anchor="ctr"/>
+          <a:lstStyle/>
+          <a:p>
+            <a:pPr algn="ctr"/>
+            <a:endParaRPr lang="en-CA"/>
+          </a:p>
+        </p:txBody>
+      </p:sp>
+      <p:sp>
+        <p:nvSpPr>
+          <p:cNvPr id="7" name="Oval 6"/>
+          <p:cNvSpPr/>
+          <p:nvPr/>
+        </p:nvSpPr>
+        <p:spPr>
+          <a:xfrm>
+            <a:off x="8038628" y="2420888"/>
+            <a:ext cx="576064" cy="576064"/>
+          </a:xfrm>
+          <a:prstGeom prst="ellipse">
+            <a:avLst/>
+          </a:prstGeom>
+          <a:noFill/>
+          <a:ln w="38100">
+            <a:solidFill>
+              <a:srgbClr val="FFC000"/>
+            </a:solidFill>
+          </a:ln>
+        </p:spPr>
+        <p:style>
+          <a:lnRef idx="2">
+            <a:schemeClr val="accent1">
+              <a:shade val="50000"/>
+            </a:schemeClr>
+          </a:lnRef>
+          <a:fillRef idx="1">
+            <a:schemeClr val="accent1"/>
+          </a:fillRef>
+          <a:effectRef idx="0">
+            <a:schemeClr val="accent1"/>
+          </a:effectRef>
+          <a:fontRef idx="minor">
+            <a:schemeClr val="lt1"/>
+          </a:fontRef>
+        </p:style>
+        <p:txBody>
+          <a:bodyPr rtlCol="0" anchor="ctr"/>
+          <a:lstStyle/>
+          <a:p>
+            <a:pPr algn="ctr"/>
+            <a:endParaRPr lang="en-CA"/>
+          </a:p>
+        </p:txBody>
+      </p:sp>
+    </p:spTree>
+    <p:extLst>
+      <p:ext uri="{BB962C8B-B14F-4D97-AF65-F5344CB8AC3E}">
+        <p14:creationId xmlns:p14="http://schemas.microsoft.com/office/powerpoint/2010/main" val="669582669"/>
+      </p:ext>
+    </p:extLst>
+  </p:cSld>
+  <p:clrMapOvr>
+    <a:masterClrMapping/>
+  </p:clrMapOvr>
+  <mc:AlternateContent xmlns:mc="http://schemas.openxmlformats.org/markup-compatibility/2006" xmlns:p14="http://schemas.microsoft.com/office/powerpoint/2010/main">
+    <mc:Choice Requires="p14">
+      <p:transition spd="med" p14:dur="700">
+        <p:fade/>
+      </p:transition>
+    </mc:Choice>
+    <mc:Fallback xmlns="">
+      <p:transition spd="med">
+        <p:fade/>
+      </p:transition>
+    </mc:Fallback>
+  </mc:AlternateContent>
+  <p:timing>
+    <p:tnLst>
+      <p:par>
+        <p:cTn id="1" dur="indefinite" restart="never" nodeType="tmRoot">
+          <p:childTnLst>
+            <p:seq concurrent="1" nextAc="seek">
+              <p:cTn id="2" dur="indefinite" nodeType="mainSeq">
+                <p:childTnLst>
+                  <p:par>
+                    <p:cTn id="3" fill="hold">
+                      <p:stCondLst>
+                        <p:cond delay="indefinite"/>
+                      </p:stCondLst>
+                      <p:childTnLst>
+                        <p:par>
+                          <p:cTn id="4" fill="hold">
+                            <p:stCondLst>
+                              <p:cond delay="0"/>
+                            </p:stCondLst>
+                            <p:childTnLst>
+                              <p:par>
+                                <p:cTn id="5" presetID="22" presetClass="entr" presetSubtype="4" fill="hold" grpId="0" nodeType="clickEffect">
+                                  <p:stCondLst>
+                                    <p:cond delay="0"/>
+                                  </p:stCondLst>
+                                  <p:childTnLst>
+                                    <p:set>
+                                      <p:cBhvr>
+                                        <p:cTn id="6" dur="1" fill="hold">
+                                          <p:stCondLst>
+                                            <p:cond delay="0"/>
+                                          </p:stCondLst>
+                                        </p:cTn>
+                                        <p:tgtEl>
+                                          <p:spTgt spid="4"/>
+                                        </p:tgtEl>
+                                        <p:attrNameLst>
+                                          <p:attrName>style.visibility</p:attrName>
+                                        </p:attrNameLst>
+                                      </p:cBhvr>
+                                      <p:to>
+                                        <p:strVal val="visible"/>
+                                      </p:to>
+                                    </p:set>
+                                    <p:animEffect transition="in" filter="wipe(down)">
+                                      <p:cBhvr>
+                                        <p:cTn id="7" dur="500"/>
+                                        <p:tgtEl>
+                                          <p:spTgt spid="4"/>
+                                        </p:tgtEl>
+                                      </p:cBhvr>
+                                    </p:animEffect>
+                                  </p:childTnLst>
+                                </p:cTn>
+                              </p:par>
+                              <p:par>
+                                <p:cTn id="8" presetID="10" presetClass="entr" presetSubtype="0" fill="hold" grpId="0" nodeType="withEffect">
+                                  <p:stCondLst>
+                                    <p:cond delay="0"/>
+                                  </p:stCondLst>
+                                  <p:childTnLst>
+                                    <p:set>
+                                      <p:cBhvr>
+                                        <p:cTn id="9" dur="1" fill="hold">
+                                          <p:stCondLst>
+                                            <p:cond delay="0"/>
+                                          </p:stCondLst>
+                                        </p:cTn>
+                                        <p:tgtEl>
+                                          <p:spTgt spid="6"/>
+                                        </p:tgtEl>
+                                        <p:attrNameLst>
+                                          <p:attrName>style.visibility</p:attrName>
+                                        </p:attrNameLst>
+                                      </p:cBhvr>
+                                      <p:to>
+                                        <p:strVal val="visible"/>
+                                      </p:to>
+                                    </p:set>
+                                    <p:animEffect transition="in" filter="fade">
+                                      <p:cBhvr>
+                                        <p:cTn id="10" dur="500"/>
+                                        <p:tgtEl>
+                                          <p:spTgt spid="6"/>
+                                        </p:tgtEl>
+                                      </p:cBhvr>
+                                    </p:animEffect>
+                                  </p:childTnLst>
+                                </p:cTn>
+                              </p:par>
+                              <p:par>
+                                <p:cTn id="11" presetID="22" presetClass="entr" presetSubtype="4" fill="hold" grpId="0" nodeType="withEffect">
+                                  <p:stCondLst>
+                                    <p:cond delay="0"/>
+                                  </p:stCondLst>
+                                  <p:childTnLst>
+                                    <p:set>
+                                      <p:cBhvr>
+                                        <p:cTn id="12" dur="1" fill="hold">
+                                          <p:stCondLst>
+                                            <p:cond delay="0"/>
+                                          </p:stCondLst>
+                                        </p:cTn>
+                                        <p:tgtEl>
+                                          <p:spTgt spid="7"/>
+                                        </p:tgtEl>
+                                        <p:attrNameLst>
+                                          <p:attrName>style.visibility</p:attrName>
+                                        </p:attrNameLst>
+                                      </p:cBhvr>
+                                      <p:to>
+                                        <p:strVal val="visible"/>
+                                      </p:to>
+                                    </p:set>
+                                    <p:animEffect transition="in" filter="wipe(down)">
+                                      <p:cBhvr>
+                                        <p:cTn id="13" dur="500"/>
+                                        <p:tgtEl>
+                                          <p:spTgt spid="7"/>
+                                        </p:tgtEl>
+                                      </p:cBhvr>
+                                    </p:animEffect>
+                                  </p:childTnLst>
+                                </p:cTn>
+                              </p:par>
+                            </p:childTnLst>
+                          </p:cTn>
+                        </p:par>
+                      </p:childTnLst>
+                    </p:cTn>
+                  </p:par>
+                </p:childTnLst>
+              </p:cTn>
+              <p:prevCondLst>
+                <p:cond evt="onPrev" delay="0">
+                  <p:tgtEl>
+                    <p:sldTgt/>
+                  </p:tgtEl>
+                </p:cond>
+              </p:prevCondLst>
+              <p:nextCondLst>
+                <p:cond evt="onNext" delay="0">
+                  <p:tgtEl>
+                    <p:sldTgt/>
+                  </p:tgtEl>
+                </p:cond>
+              </p:nextCondLst>
+            </p:seq>
+          </p:childTnLst>
+        </p:cTn>
+      </p:par>
+    </p:tnLst>
+    <p:bldLst>
+      <p:bldP spid="4" grpId="0" animBg="1"/>
+      <p:bldP spid="6" grpId="0" animBg="1"/>
+      <p:bldP spid="7" grpId="0" animBg="1"/>
+    </p:bldLst>
+  </p:timing>
+</p:sld>
+</file>
+
+<file path=ppt/slides/slide6.xml><?xml version="1.0" encoding="utf-8"?>
+<p:sld xmlns:a="http://schemas.openxmlformats.org/drawingml/2006/main" xmlns:r="http://schemas.openxmlformats.org/officeDocument/2006/relationships" xmlns:p="http://schemas.openxmlformats.org/presentationml/2006/main">
+  <p:cSld>
+    <p:spTree>
+      <p:nvGrpSpPr>
+        <p:cNvPr id="1" name=""/>
+        <p:cNvGrpSpPr/>
+        <p:nvPr/>
+      </p:nvGrpSpPr>
+      <p:grpSpPr>
+        <a:xfrm>
+          <a:off x="0" y="0"/>
+          <a:ext cx="0" cy="0"/>
+          <a:chOff x="0" y="0"/>
+          <a:chExt cx="0" cy="0"/>
+        </a:xfrm>
+      </p:grpSpPr>
+      <p:sp>
+        <p:nvSpPr>
+          <p:cNvPr id="2" name="Title 1"/>
+          <p:cNvSpPr>
+            <a:spLocks noGrp="1"/>
+          </p:cNvSpPr>
+          <p:nvPr>
+            <p:ph type="title"/>
+          </p:nvPr>
+        </p:nvSpPr>
+        <p:spPr>
+          <a:xfrm>
+            <a:off x="1125860" y="585664"/>
+            <a:ext cx="9751060" cy="755104"/>
+          </a:xfrm>
+        </p:spPr>
+        <p:txBody>
+          <a:bodyPr/>
+          <a:lstStyle/>
+          <a:p>
+            <a:r>
+              <a:rPr lang="en-CA" dirty="0"/>
+              <a:t>Individual Tasks</a:t>
+            </a:r>
+          </a:p>
+        </p:txBody>
+      </p:sp>
+      <p:pic>
+        <p:nvPicPr>
+          <p:cNvPr id="7" name="Picture 6"/>
+          <p:cNvPicPr>
+            <a:picLocks noChangeAspect="1"/>
+          </p:cNvPicPr>
+          <p:nvPr/>
+        </p:nvPicPr>
+        <p:blipFill>
+          <a:blip r:embed="rId3"/>
+          <a:stretch>
+            <a:fillRect/>
+          </a:stretch>
+        </p:blipFill>
+        <p:spPr>
+          <a:xfrm>
+            <a:off x="5662364" y="1306659"/>
+            <a:ext cx="6408712" cy="2698405"/>
+          </a:xfrm>
+          <a:prstGeom prst="rect">
+            <a:avLst/>
+          </a:prstGeom>
+        </p:spPr>
+      </p:pic>
+      <p:pic>
+        <p:nvPicPr>
+          <p:cNvPr id="8" name="Picture 7"/>
+          <p:cNvPicPr>
+            <a:picLocks noChangeAspect="1"/>
+          </p:cNvPicPr>
+          <p:nvPr/>
+        </p:nvPicPr>
+        <p:blipFill>
+          <a:blip r:embed="rId4"/>
+          <a:stretch>
+            <a:fillRect/>
+          </a:stretch>
+        </p:blipFill>
+        <p:spPr>
+          <a:xfrm>
+            <a:off x="45740" y="1338676"/>
+            <a:ext cx="5613202" cy="5330684"/>
+          </a:xfrm>
+          <a:prstGeom prst="rect">
+            <a:avLst/>
+          </a:prstGeom>
+        </p:spPr>
+      </p:pic>
+    </p:spTree>
+    <p:extLst>
+      <p:ext uri="{BB962C8B-B14F-4D97-AF65-F5344CB8AC3E}">
+        <p14:creationId xmlns:p14="http://schemas.microsoft.com/office/powerpoint/2010/main" val="1653684835"/>
+      </p:ext>
+    </p:extLst>
+  </p:cSld>
+  <p:clrMapOvr>
+    <a:masterClrMapping/>
+  </p:clrMapOvr>
+  <mc:AlternateContent xmlns:mc="http://schemas.openxmlformats.org/markup-compatibility/2006" xmlns:p14="http://schemas.microsoft.com/office/powerpoint/2010/main">
+    <mc:Choice Requires="p14">
+      <p:transition spd="med" p14:dur="700">
+        <p:fade/>
+      </p:transition>
+    </mc:Choice>
+    <mc:Fallback xmlns="">
+      <p:transition spd="med">
+        <p:fade/>
+      </p:transition>
+    </mc:Fallback>
+  </mc:AlternateContent>
+</p:sld>
+</file>
+
+<file path=ppt/slides/slide7.xml><?xml version="1.0" encoding="utf-8"?>
+<p:sld xmlns:a="http://schemas.openxmlformats.org/drawingml/2006/main" xmlns:r="http://schemas.openxmlformats.org/officeDocument/2006/relationships" xmlns:p="http://schemas.openxmlformats.org/presentationml/2006/main">
+  <p:cSld>
+    <p:spTree>
+      <p:nvGrpSpPr>
+        <p:cNvPr id="1" name=""/>
+        <p:cNvGrpSpPr/>
+        <p:nvPr/>
+      </p:nvGrpSpPr>
+      <p:grpSpPr>
+        <a:xfrm>
+          <a:off x="0" y="0"/>
+          <a:ext cx="0" cy="0"/>
+          <a:chOff x="0" y="0"/>
+          <a:chExt cx="0" cy="0"/>
+        </a:xfrm>
+      </p:grpSpPr>
+      <p:sp>
+        <p:nvSpPr>
+          <p:cNvPr id="2" name="Title 1"/>
+          <p:cNvSpPr>
+            <a:spLocks noGrp="1"/>
+          </p:cNvSpPr>
+          <p:nvPr>
+            <p:ph type="title"/>
+          </p:nvPr>
+        </p:nvSpPr>
+        <p:spPr/>
+        <p:txBody>
+          <a:bodyPr/>
+          <a:lstStyle/>
+          <a:p>
+            <a:r>
+              <a:rPr lang="en-CA" dirty="0" err="1"/>
+              <a:t>Scrumboard</a:t>
+            </a:r>
+            <a:r>
+              <a:rPr lang="en-CA" dirty="0"/>
+              <a:t> Tasks</a:t>
+            </a:r>
+          </a:p>
+        </p:txBody>
+      </p:sp>
+      <p:pic>
+        <p:nvPicPr>
+          <p:cNvPr id="4" name="Content Placeholder 3"/>
+          <p:cNvPicPr>
+            <a:picLocks noGrp="1" noChangeAspect="1"/>
+          </p:cNvPicPr>
+          <p:nvPr>
+            <p:ph idx="1"/>
+          </p:nvPr>
+        </p:nvPicPr>
+        <p:blipFill>
+          <a:blip r:embed="rId3"/>
+          <a:stretch>
+            <a:fillRect/>
+          </a:stretch>
+        </p:blipFill>
+        <p:spPr>
+          <a:xfrm>
+            <a:off x="1510419" y="1600200"/>
+            <a:ext cx="9167987" cy="4572000"/>
+          </a:xfrm>
+          <a:prstGeom prst="rect">
+            <a:avLst/>
+          </a:prstGeom>
+        </p:spPr>
+      </p:pic>
+      <p:sp>
+        <p:nvSpPr>
+          <p:cNvPr id="5" name="Oval 4"/>
+          <p:cNvSpPr/>
+          <p:nvPr/>
+        </p:nvSpPr>
+        <p:spPr>
+          <a:xfrm>
+            <a:off x="6094412" y="5733256"/>
+            <a:ext cx="1980220" cy="684076"/>
+          </a:xfrm>
+          <a:prstGeom prst="ellipse">
+            <a:avLst/>
+          </a:prstGeom>
+          <a:noFill/>
+          <a:ln w="38100">
+            <a:solidFill>
+              <a:srgbClr val="FFC000"/>
+            </a:solidFill>
+          </a:ln>
+        </p:spPr>
+        <p:style>
+          <a:lnRef idx="2">
+            <a:schemeClr val="accent1">
+              <a:shade val="50000"/>
+            </a:schemeClr>
+          </a:lnRef>
+          <a:fillRef idx="1">
+            <a:schemeClr val="accent1"/>
+          </a:fillRef>
+          <a:effectRef idx="0">
+            <a:schemeClr val="accent1"/>
+          </a:effectRef>
+          <a:fontRef idx="minor">
+            <a:schemeClr val="lt1"/>
+          </a:fontRef>
+        </p:style>
+        <p:txBody>
+          <a:bodyPr rtlCol="0" anchor="ctr"/>
+          <a:lstStyle/>
+          <a:p>
+            <a:pPr algn="ctr"/>
+            <a:endParaRPr lang="en-CA"/>
+          </a:p>
+        </p:txBody>
+      </p:sp>
+      <p:pic>
+        <p:nvPicPr>
+          <p:cNvPr id="6" name="Picture 5"/>
+          <p:cNvPicPr>
+            <a:picLocks noChangeAspect="1"/>
+          </p:cNvPicPr>
+          <p:nvPr/>
+        </p:nvPicPr>
+        <p:blipFill>
+          <a:blip r:embed="rId4"/>
+          <a:stretch>
+            <a:fillRect/>
+          </a:stretch>
+        </p:blipFill>
+        <p:spPr>
+          <a:xfrm>
+            <a:off x="5446340" y="908720"/>
+            <a:ext cx="6448425" cy="285750"/>
+          </a:xfrm>
+          <a:prstGeom prst="rect">
+            <a:avLst/>
+          </a:prstGeom>
+        </p:spPr>
+      </p:pic>
+    </p:spTree>
+    <p:extLst>
+      <p:ext uri="{BB962C8B-B14F-4D97-AF65-F5344CB8AC3E}">
+        <p14:creationId xmlns:p14="http://schemas.microsoft.com/office/powerpoint/2010/main" val="1238952302"/>
+      </p:ext>
+    </p:extLst>
+  </p:cSld>
+  <p:clrMapOvr>
+    <a:masterClrMapping/>
+  </p:clrMapOvr>
+  <mc:AlternateContent xmlns:mc="http://schemas.openxmlformats.org/markup-compatibility/2006" xmlns:p14="http://schemas.microsoft.com/office/powerpoint/2010/main">
+    <mc:Choice Requires="p14">
+      <p:transition spd="med" p14:dur="700">
+        <p:fade/>
+      </p:transition>
+    </mc:Choice>
+    <mc:Fallback xmlns="">
+      <p:transition spd="med">
+        <p:fade/>
+      </p:transition>
+    </mc:Fallback>
+  </mc:AlternateContent>
+  <p:timing>
+    <p:tnLst>
+      <p:par>
+        <p:cTn id="1" dur="indefinite" restart="never" nodeType="tmRoot">
+          <p:childTnLst>
+            <p:seq concurrent="1" nextAc="seek">
+              <p:cTn id="2" dur="indefinite" nodeType="mainSeq">
+                <p:childTnLst>
+                  <p:par>
+                    <p:cTn id="3" fill="hold">
+                      <p:stCondLst>
+                        <p:cond delay="indefinite"/>
+                      </p:stCondLst>
+                      <p:childTnLst>
+                        <p:par>
+                          <p:cTn id="4" fill="hold">
+                            <p:stCondLst>
+                              <p:cond delay="0"/>
+                            </p:stCondLst>
+                            <p:childTnLst>
+                              <p:par>
+                                <p:cTn id="5" presetID="2" presetClass="entr" presetSubtype="4" fill="hold" nodeType="clickEffect">
+                                  <p:stCondLst>
+                                    <p:cond delay="0"/>
+                                  </p:stCondLst>
+                                  <p:childTnLst>
+                                    <p:set>
+                                      <p:cBhvr>
+                                        <p:cTn id="6" dur="1" fill="hold">
+                                          <p:stCondLst>
+                                            <p:cond delay="0"/>
+                                          </p:stCondLst>
+                                        </p:cTn>
+                                        <p:tgtEl>
+                                          <p:spTgt spid="6"/>
+                                        </p:tgtEl>
+                                        <p:attrNameLst>
+                                          <p:attrName>style.visibility</p:attrName>
+                                        </p:attrNameLst>
+                                      </p:cBhvr>
+                                      <p:to>
+                                        <p:strVal val="visible"/>
+                                      </p:to>
+                                    </p:set>
+                                    <p:anim calcmode="lin" valueType="num">
+                                      <p:cBhvr additive="base">
+                                        <p:cTn id="7" dur="500" fill="hold"/>
+                                        <p:tgtEl>
+                                          <p:spTgt spid="6"/>
+                                        </p:tgtEl>
+                                        <p:attrNameLst>
+                                          <p:attrName>ppt_x</p:attrName>
+                                        </p:attrNameLst>
+                                      </p:cBhvr>
+                                      <p:tavLst>
+                                        <p:tav tm="0">
+                                          <p:val>
+                                            <p:strVal val="#ppt_x"/>
+                                          </p:val>
+                                        </p:tav>
+                                        <p:tav tm="100000">
+                                          <p:val>
+                                            <p:strVal val="#ppt_x"/>
+                                          </p:val>
+                                        </p:tav>
+                                      </p:tavLst>
+                                    </p:anim>
+                                    <p:anim calcmode="lin" valueType="num">
+                                      <p:cBhvr additive="base">
+                                        <p:cTn id="8" dur="500" fill="hold"/>
+                                        <p:tgtEl>
+                                          <p:spTgt spid="6"/>
+                                        </p:tgtEl>
+                                        <p:attrNameLst>
+                                          <p:attrName>ppt_y</p:attrName>
+                                        </p:attrNameLst>
+                                      </p:cBhvr>
+                                      <p:tavLst>
+                                        <p:tav tm="0">
+                                          <p:val>
+                                            <p:strVal val="1+#ppt_h/2"/>
+                                          </p:val>
+                                        </p:tav>
+                                        <p:tav tm="100000">
+                                          <p:val>
+                                            <p:strVal val="#ppt_y"/>
+                                          </p:val>
+                                        </p:tav>
+                                      </p:tavLst>
+                                    </p:anim>
+                                  </p:childTnLst>
+                                </p:cTn>
+                              </p:par>
+                            </p:childTnLst>
+                          </p:cTn>
+                        </p:par>
+                      </p:childTnLst>
+                    </p:cTn>
+                  </p:par>
+                  <p:par>
+                    <p:cTn id="9" fill="hold">
+                      <p:stCondLst>
+                        <p:cond delay="indefinite"/>
+                      </p:stCondLst>
+                      <p:childTnLst>
+                        <p:par>
+                          <p:cTn id="10" fill="hold">
+                            <p:stCondLst>
+                              <p:cond delay="0"/>
+                            </p:stCondLst>
+                            <p:childTnLst>
+                              <p:par>
+                                <p:cTn id="11" presetID="10" presetClass="entr" presetSubtype="0" fill="hold" grpId="0" nodeType="clickEffect">
+                                  <p:stCondLst>
+                                    <p:cond delay="0"/>
+                                  </p:stCondLst>
+                                  <p:childTnLst>
+                                    <p:set>
+                                      <p:cBhvr>
+                                        <p:cTn id="12" dur="1" fill="hold">
+                                          <p:stCondLst>
+                                            <p:cond delay="0"/>
+                                          </p:stCondLst>
+                                        </p:cTn>
+                                        <p:tgtEl>
+                                          <p:spTgt spid="5"/>
+                                        </p:tgtEl>
+                                        <p:attrNameLst>
+                                          <p:attrName>style.visibility</p:attrName>
+                                        </p:attrNameLst>
+                                      </p:cBhvr>
+                                      <p:to>
+                                        <p:strVal val="visible"/>
+                                      </p:to>
+                                    </p:set>
+                                    <p:animEffect transition="in" filter="fade">
+                                      <p:cBhvr>
+                                        <p:cTn id="13" dur="500"/>
+                                        <p:tgtEl>
+                                          <p:spTgt spid="5"/>
+                                        </p:tgtEl>
+                                      </p:cBhvr>
+                                    </p:animEffect>
+                                  </p:childTnLst>
+                                </p:cTn>
+                              </p:par>
+                            </p:childTnLst>
+                          </p:cTn>
+                        </p:par>
+                      </p:childTnLst>
+                    </p:cTn>
+                  </p:par>
+                </p:childTnLst>
+              </p:cTn>
+              <p:prevCondLst>
+                <p:cond evt="onPrev" delay="0">
+                  <p:tgtEl>
+                    <p:sldTgt/>
+                  </p:tgtEl>
+                </p:cond>
+              </p:prevCondLst>
+              <p:nextCondLst>
+                <p:cond evt="onNext" delay="0">
+                  <p:tgtEl>
+                    <p:sldTgt/>
+                  </p:tgtEl>
+                </p:cond>
+              </p:nextCondLst>
+            </p:seq>
+          </p:childTnLst>
+        </p:cTn>
+      </p:par>
+    </p:tnLst>
+    <p:bldLst>
+      <p:bldP spid="5" grpId="0" animBg="1"/>
+    </p:bldLst>
+  </p:timing>
+</p:sld>
+</file>
+
+<file path=ppt/slides/slide8.xml><?xml version="1.0" encoding="utf-8"?>
+<p:sld xmlns:a="http://schemas.openxmlformats.org/drawingml/2006/main" xmlns:r="http://schemas.openxmlformats.org/officeDocument/2006/relationships" xmlns:p="http://schemas.openxmlformats.org/presentationml/2006/main">
+  <p:cSld>
+    <p:spTree>
+      <p:nvGrpSpPr>
+        <p:cNvPr id="1" name=""/>
+        <p:cNvGrpSpPr/>
+        <p:nvPr/>
+      </p:nvGrpSpPr>
+      <p:grpSpPr>
+        <a:xfrm>
+          <a:off x="0" y="0"/>
+          <a:ext cx="0" cy="0"/>
+          <a:chOff x="0" y="0"/>
+          <a:chExt cx="0" cy="0"/>
+        </a:xfrm>
+      </p:grpSpPr>
+      <p:sp>
+        <p:nvSpPr>
+          <p:cNvPr id="2" name="Title 1"/>
+          <p:cNvSpPr>
+            <a:spLocks noGrp="1"/>
+          </p:cNvSpPr>
+          <p:nvPr>
+            <p:ph type="title"/>
+          </p:nvPr>
+        </p:nvSpPr>
+        <p:spPr/>
+        <p:txBody>
+          <a:bodyPr/>
+          <a:lstStyle/>
+          <a:p>
+            <a:r>
+              <a:rPr lang="en-CA" dirty="0"/>
+              <a:t>Our </a:t>
+            </a:r>
+            <a:r>
+              <a:rPr lang="en-CA" dirty="0" err="1"/>
+              <a:t>Scrumboard</a:t>
+            </a:r>
+            <a:endParaRPr lang="en-CA" dirty="0"/>
+          </a:p>
+        </p:txBody>
+      </p:sp>
+      <p:pic>
+        <p:nvPicPr>
+          <p:cNvPr id="5" name="Content Placeholder 4"/>
+          <p:cNvPicPr>
+            <a:picLocks noGrp="1" noChangeAspect="1"/>
+          </p:cNvPicPr>
+          <p:nvPr>
+            <p:ph idx="1"/>
+          </p:nvPr>
+        </p:nvPicPr>
+        <p:blipFill>
+          <a:blip r:embed="rId2">
+            <a:extLst>
+              <a:ext uri="{28A0092B-C50C-407E-A947-70E740481C1C}">
+                <a14:useLocalDpi xmlns:a14="http://schemas.microsoft.com/office/drawing/2010/main" val="0"/>
+              </a:ext>
+            </a:extLst>
+          </a:blip>
+          <a:stretch>
+            <a:fillRect/>
+          </a:stretch>
+        </p:blipFill>
+        <p:spPr>
+          <a:xfrm>
+            <a:off x="4951412" y="2362200"/>
+            <a:ext cx="2286000" cy="3048000"/>
+          </a:xfrm>
+        </p:spPr>
+      </p:pic>
+      <p:sp>
+        <p:nvSpPr>
+          <p:cNvPr id="6" name="Speech Bubble: Oval 5"/>
+          <p:cNvSpPr/>
+          <p:nvPr/>
+        </p:nvSpPr>
+        <p:spPr>
+          <a:xfrm>
+            <a:off x="6598468" y="1447800"/>
+            <a:ext cx="3096344" cy="1405136"/>
+          </a:xfrm>
+          <a:prstGeom prst="wedgeEllipseCallout">
+            <a:avLst/>
+          </a:prstGeom>
+        </p:spPr>
+        <p:style>
+          <a:lnRef idx="3">
+            <a:schemeClr val="lt1"/>
+          </a:lnRef>
+          <a:fillRef idx="1">
+            <a:schemeClr val="accent2"/>
+          </a:fillRef>
+          <a:effectRef idx="1">
+            <a:schemeClr val="accent2"/>
+          </a:effectRef>
+          <a:fontRef idx="minor">
+            <a:schemeClr val="lt1"/>
+          </a:fontRef>
+        </p:style>
+        <p:txBody>
+          <a:bodyPr rtlCol="0" anchor="ctr"/>
+          <a:lstStyle/>
+          <a:p>
+            <a:pPr algn="ctr"/>
+            <a:r>
+              <a:rPr lang="en-CA" b="1" dirty="0">
+                <a:solidFill>
+                  <a:schemeClr val="accent6"/>
+                </a:solidFill>
+                <a:latin typeface="Cooper Black" panose="0208090404030B020404" pitchFamily="18" charset="0"/>
+                <a:hlinkClick r:id="rId3"/>
+              </a:rPr>
+              <a:t>Click here!</a:t>
+            </a:r>
+            <a:endParaRPr lang="en-CA" b="1" dirty="0">
+              <a:solidFill>
+                <a:schemeClr val="accent6"/>
+              </a:solidFill>
+              <a:latin typeface="Cooper Black" panose="0208090404030B020404" pitchFamily="18" charset="0"/>
+            </a:endParaRPr>
+          </a:p>
+        </p:txBody>
+      </p:sp>
+    </p:spTree>
+    <p:extLst>
+      <p:ext uri="{BB962C8B-B14F-4D97-AF65-F5344CB8AC3E}">
+        <p14:creationId xmlns:p14="http://schemas.microsoft.com/office/powerpoint/2010/main" val="1903923789"/>
+      </p:ext>
+    </p:extLst>
+  </p:cSld>
+  <p:clrMapOvr>
+    <a:masterClrMapping/>
+  </p:clrMapOvr>
+  <mc:AlternateContent xmlns:mc="http://schemas.openxmlformats.org/markup-compatibility/2006" xmlns:p14="http://schemas.microsoft.com/office/powerpoint/2010/main">
+    <mc:Choice Requires="p14">
+      <p:transition spd="med" p14:dur="700">
+        <p:fade/>
+      </p:transition>
+    </mc:Choice>
+    <mc:Fallback xmlns="">
+      <p:transition spd="med">
+        <p:fade/>
+      </p:transition>
+    </mc:Fallback>
+  </mc:AlternateContent>
+</p:sld>
+</file>
+
+<file path=ppt/slides/slide9.xml><?xml version="1.0" encoding="utf-8"?>
+<p:sld xmlns:a="http://schemas.openxmlformats.org/drawingml/2006/main" xmlns:r="http://schemas.openxmlformats.org/officeDocument/2006/relationships" xmlns:p="http://schemas.openxmlformats.org/presentationml/2006/main">
+  <p:cSld>
+    <p:spTree>
+      <p:nvGrpSpPr>
+        <p:cNvPr id="1" name=""/>
+        <p:cNvGrpSpPr/>
+        <p:nvPr/>
+      </p:nvGrpSpPr>
+      <p:grpSpPr>
+        <a:xfrm>
+          <a:off x="0" y="0"/>
+          <a:ext cx="0" cy="0"/>
+          <a:chOff x="0" y="0"/>
+          <a:chExt cx="0" cy="0"/>
+        </a:xfrm>
+      </p:grpSpPr>
+      <p:sp>
+        <p:nvSpPr>
+          <p:cNvPr id="2" name="Title 1"/>
+          <p:cNvSpPr>
+            <a:spLocks noGrp="1"/>
+          </p:cNvSpPr>
+          <p:nvPr>
+            <p:ph type="title"/>
+          </p:nvPr>
+        </p:nvSpPr>
+        <p:spPr/>
+        <p:txBody>
+          <a:bodyPr/>
+          <a:lstStyle/>
+          <a:p>
+            <a:r>
+              <a:rPr lang="en-CA" dirty="0"/>
+              <a:t>Sprint #1 Challenge</a:t>
+            </a:r>
+          </a:p>
+        </p:txBody>
+      </p:sp>
+      <p:sp>
+        <p:nvSpPr>
+          <p:cNvPr id="6" name="Speech Bubble: Oval 5"/>
+          <p:cNvSpPr/>
+          <p:nvPr/>
+        </p:nvSpPr>
+        <p:spPr>
+          <a:xfrm>
+            <a:off x="5662364" y="1456317"/>
+            <a:ext cx="3024336" cy="1405136"/>
+          </a:xfrm>
+          <a:prstGeom prst="wedgeEllipseCallout">
+            <a:avLst/>
+          </a:prstGeom>
+        </p:spPr>
+        <p:style>
+          <a:lnRef idx="3">
+            <a:schemeClr val="lt1"/>
+          </a:lnRef>
+          <a:fillRef idx="1">
+            <a:schemeClr val="accent2"/>
+          </a:fillRef>
+          <a:effectRef idx="1">
+            <a:schemeClr val="accent2"/>
+          </a:effectRef>
+          <a:fontRef idx="minor">
+            <a:schemeClr val="lt1"/>
+          </a:fontRef>
+        </p:style>
+        <p:txBody>
+          <a:bodyPr rtlCol="0" anchor="ctr"/>
+          <a:lstStyle/>
+          <a:p>
+            <a:pPr algn="ctr"/>
+            <a:r>
+              <a:rPr lang="en-CA" b="1" dirty="0">
+                <a:solidFill>
+                  <a:schemeClr val="accent6"/>
+                </a:solidFill>
+                <a:latin typeface="Cooper Black" panose="0208090404030B020404" pitchFamily="18" charset="0"/>
+                <a:hlinkClick r:id="rId2"/>
+              </a:rPr>
+              <a:t>Click here!</a:t>
+            </a:r>
+            <a:endParaRPr lang="en-CA" b="1" dirty="0">
+              <a:solidFill>
+                <a:schemeClr val="accent6"/>
+              </a:solidFill>
+              <a:latin typeface="Cooper Black" panose="0208090404030B020404" pitchFamily="18" charset="0"/>
+            </a:endParaRPr>
+          </a:p>
+        </p:txBody>
+      </p:sp>
+      <p:pic>
+        <p:nvPicPr>
+          <p:cNvPr id="8" name="Content Placeholder 7"/>
+          <p:cNvPicPr>
+            <a:picLocks noGrp="1" noChangeAspect="1"/>
+          </p:cNvPicPr>
+          <p:nvPr>
+            <p:ph idx="1"/>
+          </p:nvPr>
+        </p:nvPicPr>
+        <p:blipFill>
+          <a:blip r:embed="rId3">
+            <a:extLst>
+              <a:ext uri="{28A0092B-C50C-407E-A947-70E740481C1C}">
+                <a14:useLocalDpi xmlns:a14="http://schemas.microsoft.com/office/drawing/2010/main" val="0"/>
+              </a:ext>
+            </a:extLst>
+          </a:blip>
+          <a:stretch>
+            <a:fillRect/>
+          </a:stretch>
+        </p:blipFill>
+        <p:spPr>
+          <a:xfrm>
+            <a:off x="4951412" y="2362200"/>
+            <a:ext cx="2286000" cy="3048000"/>
+          </a:xfrm>
+        </p:spPr>
+      </p:pic>
+    </p:spTree>
+    <p:extLst>
+      <p:ext uri="{BB962C8B-B14F-4D97-AF65-F5344CB8AC3E}">
+        <p14:creationId xmlns:p14="http://schemas.microsoft.com/office/powerpoint/2010/main" val="728383530"/>
+      </p:ext>
+    </p:extLst>
+  </p:cSld>
+  <p:clrMapOvr>
+    <a:masterClrMapping/>
+  </p:clrMapOvr>
+  <mc:AlternateContent xmlns:mc="http://schemas.openxmlformats.org/markup-compatibility/2006" xmlns:p14="http://schemas.microsoft.com/office/powerpoint/2010/main">
+    <mc:Choice Requires="p14">
+      <p:transition spd="med" p14:dur="700">
+        <p:fade/>
+      </p:transition>
+    </mc:Choice>
+    <mc:Fallback xmlns="">
+      <p:transition spd="med">
+        <p:fade/>
+      </p:transition>
+    </mc:Fallback>
+  </mc:AlternateContent>
+</p:sld>
+</file>
+
 <file path=ppt/theme/theme1.xml><?xml version="1.0" encoding="utf-8"?>
 <a:theme xmlns:a="http://schemas.openxmlformats.org/drawingml/2006/main" name="Cooking 16x9">
   <a:themeElements>
